--- a/Computer Science Principles/Lectures/Lecture 10 - Introduction to JavaScript.pptx
+++ b/Computer Science Principles/Lectures/Lecture 10 - Introduction to JavaScript.pptx
@@ -5,47 +5,47 @@
     <p:sldMasterId id="2147483648" r:id="rId1"/>
   </p:sldMasterIdLst>
   <p:sldIdLst>
-    <p:sldId id="256" r:id="rId3"/>
-    <p:sldId id="258" r:id="rId4"/>
-    <p:sldId id="259" r:id="rId5"/>
-    <p:sldId id="260" r:id="rId6"/>
-    <p:sldId id="261" r:id="rId7"/>
-    <p:sldId id="262" r:id="rId8"/>
-    <p:sldId id="263" r:id="rId9"/>
-    <p:sldId id="264" r:id="rId10"/>
-    <p:sldId id="265" r:id="rId11"/>
-    <p:sldId id="266" r:id="rId12"/>
-    <p:sldId id="267" r:id="rId13"/>
-    <p:sldId id="268" r:id="rId14"/>
-    <p:sldId id="269" r:id="rId15"/>
-    <p:sldId id="270" r:id="rId16"/>
-    <p:sldId id="271" r:id="rId17"/>
-    <p:sldId id="272" r:id="rId18"/>
-    <p:sldId id="273" r:id="rId19"/>
-    <p:sldId id="274" r:id="rId20"/>
-    <p:sldId id="275" r:id="rId21"/>
-    <p:sldId id="276" r:id="rId22"/>
-    <p:sldId id="278" r:id="rId23"/>
-    <p:sldId id="277" r:id="rId24"/>
-    <p:sldId id="281" r:id="rId25"/>
-    <p:sldId id="283" r:id="rId26"/>
-    <p:sldId id="284" r:id="rId27"/>
-    <p:sldId id="285" r:id="rId28"/>
-    <p:sldId id="286" r:id="rId29"/>
-    <p:sldId id="287" r:id="rId30"/>
-    <p:sldId id="288" r:id="rId31"/>
-    <p:sldId id="289" r:id="rId32"/>
-    <p:sldId id="290" r:id="rId33"/>
-    <p:sldId id="291" r:id="rId34"/>
-    <p:sldId id="292" r:id="rId35"/>
-    <p:sldId id="293" r:id="rId36"/>
-    <p:sldId id="294" r:id="rId37"/>
-    <p:sldId id="295" r:id="rId38"/>
-    <p:sldId id="296" r:id="rId39"/>
-    <p:sldId id="297" r:id="rId40"/>
-    <p:sldId id="299" r:id="rId41"/>
-    <p:sldId id="301" r:id="rId42"/>
-    <p:sldId id="302" r:id="rId43"/>
+    <p:sldId id="256" r:id="rId2"/>
+    <p:sldId id="258" r:id="rId3"/>
+    <p:sldId id="259" r:id="rId4"/>
+    <p:sldId id="260" r:id="rId5"/>
+    <p:sldId id="261" r:id="rId6"/>
+    <p:sldId id="262" r:id="rId7"/>
+    <p:sldId id="263" r:id="rId8"/>
+    <p:sldId id="264" r:id="rId9"/>
+    <p:sldId id="265" r:id="rId10"/>
+    <p:sldId id="266" r:id="rId11"/>
+    <p:sldId id="267" r:id="rId12"/>
+    <p:sldId id="268" r:id="rId13"/>
+    <p:sldId id="269" r:id="rId14"/>
+    <p:sldId id="270" r:id="rId15"/>
+    <p:sldId id="271" r:id="rId16"/>
+    <p:sldId id="272" r:id="rId17"/>
+    <p:sldId id="273" r:id="rId18"/>
+    <p:sldId id="274" r:id="rId19"/>
+    <p:sldId id="275" r:id="rId20"/>
+    <p:sldId id="276" r:id="rId21"/>
+    <p:sldId id="278" r:id="rId22"/>
+    <p:sldId id="277" r:id="rId23"/>
+    <p:sldId id="281" r:id="rId24"/>
+    <p:sldId id="283" r:id="rId25"/>
+    <p:sldId id="284" r:id="rId26"/>
+    <p:sldId id="285" r:id="rId27"/>
+    <p:sldId id="286" r:id="rId28"/>
+    <p:sldId id="287" r:id="rId29"/>
+    <p:sldId id="288" r:id="rId30"/>
+    <p:sldId id="289" r:id="rId31"/>
+    <p:sldId id="290" r:id="rId32"/>
+    <p:sldId id="291" r:id="rId33"/>
+    <p:sldId id="292" r:id="rId34"/>
+    <p:sldId id="293" r:id="rId35"/>
+    <p:sldId id="294" r:id="rId36"/>
+    <p:sldId id="295" r:id="rId37"/>
+    <p:sldId id="296" r:id="rId38"/>
+    <p:sldId id="297" r:id="rId39"/>
+    <p:sldId id="299" r:id="rId40"/>
+    <p:sldId id="301" r:id="rId41"/>
+    <p:sldId id="302" r:id="rId42"/>
   </p:sldIdLst>
   <p:sldSz cx="12192000" cy="6858000"/>
   <p:notesSz cx="6858000" cy="9144000"/>
@@ -144,7 +144,274 @@
       </a:defRPr>
     </a:lvl9pPr>
   </p:defaultTextStyle>
+  <p:extLst>
+    <p:ext uri="{EFAFB233-063F-42B5-8137-9DF3F51BA10A}">
+      <p15:sldGuideLst xmlns:p15="http://schemas.microsoft.com/office/powerpoint/2012/main"/>
+    </p:ext>
+  </p:extLst>
 </p:presentation>
+</file>
+
+<file path=ppt/changesInfos/changesInfo1.xml><?xml version="1.0" encoding="utf-8"?>
+<pc:chgInfo xmlns:a="http://schemas.openxmlformats.org/drawingml/2006/main" xmlns:r="http://schemas.openxmlformats.org/officeDocument/2006/relationships" xmlns:ac="http://schemas.microsoft.com/office/drawing/2013/main/command" xmlns:pc="http://schemas.microsoft.com/office/powerpoint/2013/main/command">
+  <pc:docChgLst>
+    <pc:chgData name="Joshua Gross" userId="7bb6a70e-9d37-46e4-96de-748557707bd0" providerId="ADAL" clId="{607FDEE8-456F-4244-B85A-3F4ABCF8138A}"/>
+    <pc:docChg chg="custSel modSld">
+      <pc:chgData name="Joshua Gross" userId="7bb6a70e-9d37-46e4-96de-748557707bd0" providerId="ADAL" clId="{607FDEE8-456F-4244-B85A-3F4ABCF8138A}" dt="2023-10-11T11:57:33.800" v="137" actId="14100"/>
+      <pc:docMkLst>
+        <pc:docMk/>
+      </pc:docMkLst>
+      <pc:sldChg chg="modSp">
+        <pc:chgData name="Joshua Gross" userId="7bb6a70e-9d37-46e4-96de-748557707bd0" providerId="ADAL" clId="{607FDEE8-456F-4244-B85A-3F4ABCF8138A}" dt="2023-10-11T11:43:25.656" v="0" actId="113"/>
+        <pc:sldMkLst>
+          <pc:docMk/>
+          <pc:sldMk cId="0" sldId="261"/>
+        </pc:sldMkLst>
+        <pc:spChg chg="mod">
+          <ac:chgData name="Joshua Gross" userId="7bb6a70e-9d37-46e4-96de-748557707bd0" providerId="ADAL" clId="{607FDEE8-456F-4244-B85A-3F4ABCF8138A}" dt="2023-10-11T11:43:25.656" v="0" actId="113"/>
+          <ac:spMkLst>
+            <pc:docMk/>
+            <pc:sldMk cId="0" sldId="261"/>
+            <ac:spMk id="5" creationId="{00000000-0000-0000-0000-000000000000}"/>
+          </ac:spMkLst>
+        </pc:spChg>
+      </pc:sldChg>
+      <pc:sldChg chg="modSp">
+        <pc:chgData name="Joshua Gross" userId="7bb6a70e-9d37-46e4-96de-748557707bd0" providerId="ADAL" clId="{607FDEE8-456F-4244-B85A-3F4ABCF8138A}" dt="2023-10-11T11:44:36.059" v="25" actId="20577"/>
+        <pc:sldMkLst>
+          <pc:docMk/>
+          <pc:sldMk cId="0" sldId="269"/>
+        </pc:sldMkLst>
+        <pc:spChg chg="mod">
+          <ac:chgData name="Joshua Gross" userId="7bb6a70e-9d37-46e4-96de-748557707bd0" providerId="ADAL" clId="{607FDEE8-456F-4244-B85A-3F4ABCF8138A}" dt="2023-10-11T11:44:36.059" v="25" actId="20577"/>
+          <ac:spMkLst>
+            <pc:docMk/>
+            <pc:sldMk cId="0" sldId="269"/>
+            <ac:spMk id="3" creationId="{00000000-0000-0000-0000-000000000000}"/>
+          </ac:spMkLst>
+        </pc:spChg>
+      </pc:sldChg>
+      <pc:sldChg chg="modSp">
+        <pc:chgData name="Joshua Gross" userId="7bb6a70e-9d37-46e4-96de-748557707bd0" providerId="ADAL" clId="{607FDEE8-456F-4244-B85A-3F4ABCF8138A}" dt="2023-10-11T11:54:04.272" v="105" actId="20577"/>
+        <pc:sldMkLst>
+          <pc:docMk/>
+          <pc:sldMk cId="0" sldId="272"/>
+        </pc:sldMkLst>
+        <pc:spChg chg="mod">
+          <ac:chgData name="Joshua Gross" userId="7bb6a70e-9d37-46e4-96de-748557707bd0" providerId="ADAL" clId="{607FDEE8-456F-4244-B85A-3F4ABCF8138A}" dt="2023-10-11T11:54:04.272" v="105" actId="20577"/>
+          <ac:spMkLst>
+            <pc:docMk/>
+            <pc:sldMk cId="0" sldId="272"/>
+            <ac:spMk id="2" creationId="{00000000-0000-0000-0000-000000000000}"/>
+          </ac:spMkLst>
+        </pc:spChg>
+      </pc:sldChg>
+      <pc:sldChg chg="modSp">
+        <pc:chgData name="Joshua Gross" userId="7bb6a70e-9d37-46e4-96de-748557707bd0" providerId="ADAL" clId="{607FDEE8-456F-4244-B85A-3F4ABCF8138A}" dt="2023-10-11T11:46:41.229" v="74" actId="20577"/>
+        <pc:sldMkLst>
+          <pc:docMk/>
+          <pc:sldMk cId="0" sldId="276"/>
+        </pc:sldMkLst>
+        <pc:spChg chg="mod">
+          <ac:chgData name="Joshua Gross" userId="7bb6a70e-9d37-46e4-96de-748557707bd0" providerId="ADAL" clId="{607FDEE8-456F-4244-B85A-3F4ABCF8138A}" dt="2023-10-11T11:46:41.229" v="74" actId="20577"/>
+          <ac:spMkLst>
+            <pc:docMk/>
+            <pc:sldMk cId="0" sldId="276"/>
+            <ac:spMk id="5" creationId="{00000000-0000-0000-0000-000000000000}"/>
+          </ac:spMkLst>
+        </pc:spChg>
+      </pc:sldChg>
+      <pc:sldChg chg="modSp">
+        <pc:chgData name="Joshua Gross" userId="7bb6a70e-9d37-46e4-96de-748557707bd0" providerId="ADAL" clId="{607FDEE8-456F-4244-B85A-3F4ABCF8138A}" dt="2023-10-11T11:54:54.575" v="107" actId="27636"/>
+        <pc:sldMkLst>
+          <pc:docMk/>
+          <pc:sldMk cId="0" sldId="288"/>
+        </pc:sldMkLst>
+        <pc:spChg chg="mod">
+          <ac:chgData name="Joshua Gross" userId="7bb6a70e-9d37-46e4-96de-748557707bd0" providerId="ADAL" clId="{607FDEE8-456F-4244-B85A-3F4ABCF8138A}" dt="2023-10-11T11:54:54.575" v="107" actId="27636"/>
+          <ac:spMkLst>
+            <pc:docMk/>
+            <pc:sldMk cId="0" sldId="288"/>
+            <ac:spMk id="5" creationId="{00000000-0000-0000-0000-000000000000}"/>
+          </ac:spMkLst>
+        </pc:spChg>
+      </pc:sldChg>
+      <pc:sldChg chg="modSp">
+        <pc:chgData name="Joshua Gross" userId="7bb6a70e-9d37-46e4-96de-748557707bd0" providerId="ADAL" clId="{607FDEE8-456F-4244-B85A-3F4ABCF8138A}" dt="2023-10-11T11:54:54.585" v="108" actId="27636"/>
+        <pc:sldMkLst>
+          <pc:docMk/>
+          <pc:sldMk cId="0" sldId="289"/>
+        </pc:sldMkLst>
+        <pc:spChg chg="mod">
+          <ac:chgData name="Joshua Gross" userId="7bb6a70e-9d37-46e4-96de-748557707bd0" providerId="ADAL" clId="{607FDEE8-456F-4244-B85A-3F4ABCF8138A}" dt="2023-10-11T11:54:54.585" v="108" actId="27636"/>
+          <ac:spMkLst>
+            <pc:docMk/>
+            <pc:sldMk cId="0" sldId="289"/>
+            <ac:spMk id="5" creationId="{00000000-0000-0000-0000-000000000000}"/>
+          </ac:spMkLst>
+        </pc:spChg>
+      </pc:sldChg>
+      <pc:sldChg chg="modSp">
+        <pc:chgData name="Joshua Gross" userId="7bb6a70e-9d37-46e4-96de-748557707bd0" providerId="ADAL" clId="{607FDEE8-456F-4244-B85A-3F4ABCF8138A}" dt="2023-10-11T11:54:54.595" v="109" actId="27636"/>
+        <pc:sldMkLst>
+          <pc:docMk/>
+          <pc:sldMk cId="0" sldId="290"/>
+        </pc:sldMkLst>
+        <pc:spChg chg="mod">
+          <ac:chgData name="Joshua Gross" userId="7bb6a70e-9d37-46e4-96de-748557707bd0" providerId="ADAL" clId="{607FDEE8-456F-4244-B85A-3F4ABCF8138A}" dt="2023-10-11T11:54:54.595" v="109" actId="27636"/>
+          <ac:spMkLst>
+            <pc:docMk/>
+            <pc:sldMk cId="0" sldId="290"/>
+            <ac:spMk id="5" creationId="{00000000-0000-0000-0000-000000000000}"/>
+          </ac:spMkLst>
+        </pc:spChg>
+      </pc:sldChg>
+      <pc:sldChg chg="modSp">
+        <pc:chgData name="Joshua Gross" userId="7bb6a70e-9d37-46e4-96de-748557707bd0" providerId="ADAL" clId="{607FDEE8-456F-4244-B85A-3F4ABCF8138A}" dt="2023-10-11T11:54:54.603" v="110" actId="27636"/>
+        <pc:sldMkLst>
+          <pc:docMk/>
+          <pc:sldMk cId="0" sldId="291"/>
+        </pc:sldMkLst>
+        <pc:spChg chg="mod">
+          <ac:chgData name="Joshua Gross" userId="7bb6a70e-9d37-46e4-96de-748557707bd0" providerId="ADAL" clId="{607FDEE8-456F-4244-B85A-3F4ABCF8138A}" dt="2023-10-11T11:54:54.603" v="110" actId="27636"/>
+          <ac:spMkLst>
+            <pc:docMk/>
+            <pc:sldMk cId="0" sldId="291"/>
+            <ac:spMk id="5" creationId="{00000000-0000-0000-0000-000000000000}"/>
+          </ac:spMkLst>
+        </pc:spChg>
+      </pc:sldChg>
+      <pc:sldChg chg="modSp">
+        <pc:chgData name="Joshua Gross" userId="7bb6a70e-9d37-46e4-96de-748557707bd0" providerId="ADAL" clId="{607FDEE8-456F-4244-B85A-3F4ABCF8138A}" dt="2023-10-11T11:54:54.612" v="111" actId="27636"/>
+        <pc:sldMkLst>
+          <pc:docMk/>
+          <pc:sldMk cId="0" sldId="292"/>
+        </pc:sldMkLst>
+        <pc:spChg chg="mod">
+          <ac:chgData name="Joshua Gross" userId="7bb6a70e-9d37-46e4-96de-748557707bd0" providerId="ADAL" clId="{607FDEE8-456F-4244-B85A-3F4ABCF8138A}" dt="2023-10-11T11:54:54.612" v="111" actId="27636"/>
+          <ac:spMkLst>
+            <pc:docMk/>
+            <pc:sldMk cId="0" sldId="292"/>
+            <ac:spMk id="5" creationId="{00000000-0000-0000-0000-000000000000}"/>
+          </ac:spMkLst>
+        </pc:spChg>
+      </pc:sldChg>
+      <pc:sldChg chg="modSp">
+        <pc:chgData name="Joshua Gross" userId="7bb6a70e-9d37-46e4-96de-748557707bd0" providerId="ADAL" clId="{607FDEE8-456F-4244-B85A-3F4ABCF8138A}" dt="2023-10-11T11:54:54.622" v="112" actId="27636"/>
+        <pc:sldMkLst>
+          <pc:docMk/>
+          <pc:sldMk cId="0" sldId="293"/>
+        </pc:sldMkLst>
+        <pc:spChg chg="mod">
+          <ac:chgData name="Joshua Gross" userId="7bb6a70e-9d37-46e4-96de-748557707bd0" providerId="ADAL" clId="{607FDEE8-456F-4244-B85A-3F4ABCF8138A}" dt="2023-10-11T11:54:54.622" v="112" actId="27636"/>
+          <ac:spMkLst>
+            <pc:docMk/>
+            <pc:sldMk cId="0" sldId="293"/>
+            <ac:spMk id="5" creationId="{00000000-0000-0000-0000-000000000000}"/>
+          </ac:spMkLst>
+        </pc:spChg>
+      </pc:sldChg>
+      <pc:sldChg chg="modSp">
+        <pc:chgData name="Joshua Gross" userId="7bb6a70e-9d37-46e4-96de-748557707bd0" providerId="ADAL" clId="{607FDEE8-456F-4244-B85A-3F4ABCF8138A}" dt="2023-10-11T11:54:54.635" v="113" actId="27636"/>
+        <pc:sldMkLst>
+          <pc:docMk/>
+          <pc:sldMk cId="0" sldId="294"/>
+        </pc:sldMkLst>
+        <pc:spChg chg="mod">
+          <ac:chgData name="Joshua Gross" userId="7bb6a70e-9d37-46e4-96de-748557707bd0" providerId="ADAL" clId="{607FDEE8-456F-4244-B85A-3F4ABCF8138A}" dt="2023-10-11T11:54:54.635" v="113" actId="27636"/>
+          <ac:spMkLst>
+            <pc:docMk/>
+            <pc:sldMk cId="0" sldId="294"/>
+            <ac:spMk id="5" creationId="{00000000-0000-0000-0000-000000000000}"/>
+          </ac:spMkLst>
+        </pc:spChg>
+      </pc:sldChg>
+      <pc:sldChg chg="modSp">
+        <pc:chgData name="Joshua Gross" userId="7bb6a70e-9d37-46e4-96de-748557707bd0" providerId="ADAL" clId="{607FDEE8-456F-4244-B85A-3F4ABCF8138A}" dt="2023-10-11T11:50:29.034" v="78" actId="113"/>
+        <pc:sldMkLst>
+          <pc:docMk/>
+          <pc:sldMk cId="0" sldId="295"/>
+        </pc:sldMkLst>
+        <pc:spChg chg="mod">
+          <ac:chgData name="Joshua Gross" userId="7bb6a70e-9d37-46e4-96de-748557707bd0" providerId="ADAL" clId="{607FDEE8-456F-4244-B85A-3F4ABCF8138A}" dt="2023-10-11T11:50:29.034" v="78" actId="113"/>
+          <ac:spMkLst>
+            <pc:docMk/>
+            <pc:sldMk cId="0" sldId="295"/>
+            <ac:spMk id="5" creationId="{00000000-0000-0000-0000-000000000000}"/>
+          </ac:spMkLst>
+        </pc:spChg>
+      </pc:sldChg>
+      <pc:sldChg chg="modSp">
+        <pc:chgData name="Joshua Gross" userId="7bb6a70e-9d37-46e4-96de-748557707bd0" providerId="ADAL" clId="{607FDEE8-456F-4244-B85A-3F4ABCF8138A}" dt="2023-10-11T11:54:54.645" v="114" actId="27636"/>
+        <pc:sldMkLst>
+          <pc:docMk/>
+          <pc:sldMk cId="0" sldId="296"/>
+        </pc:sldMkLst>
+        <pc:spChg chg="mod">
+          <ac:chgData name="Joshua Gross" userId="7bb6a70e-9d37-46e4-96de-748557707bd0" providerId="ADAL" clId="{607FDEE8-456F-4244-B85A-3F4ABCF8138A}" dt="2023-10-11T11:54:54.645" v="114" actId="27636"/>
+          <ac:spMkLst>
+            <pc:docMk/>
+            <pc:sldMk cId="0" sldId="296"/>
+            <ac:spMk id="5" creationId="{00000000-0000-0000-0000-000000000000}"/>
+          </ac:spMkLst>
+        </pc:spChg>
+      </pc:sldChg>
+      <pc:sldChg chg="addSp modSp">
+        <pc:chgData name="Joshua Gross" userId="7bb6a70e-9d37-46e4-96de-748557707bd0" providerId="ADAL" clId="{607FDEE8-456F-4244-B85A-3F4ABCF8138A}" dt="2023-10-11T11:54:59.959" v="116" actId="14100"/>
+        <pc:sldMkLst>
+          <pc:docMk/>
+          <pc:sldMk cId="0" sldId="299"/>
+        </pc:sldMkLst>
+        <pc:picChg chg="add mod">
+          <ac:chgData name="Joshua Gross" userId="7bb6a70e-9d37-46e4-96de-748557707bd0" providerId="ADAL" clId="{607FDEE8-456F-4244-B85A-3F4ABCF8138A}" dt="2023-10-11T11:54:59.959" v="116" actId="14100"/>
+          <ac:picMkLst>
+            <pc:docMk/>
+            <pc:sldMk cId="0" sldId="299"/>
+            <ac:picMk id="3" creationId="{BC71B0C1-9E09-47CE-8AD2-3F4BADB7757A}"/>
+          </ac:picMkLst>
+        </pc:picChg>
+      </pc:sldChg>
+      <pc:sldChg chg="addSp modSp">
+        <pc:chgData name="Joshua Gross" userId="7bb6a70e-9d37-46e4-96de-748557707bd0" providerId="ADAL" clId="{607FDEE8-456F-4244-B85A-3F4ABCF8138A}" dt="2023-10-11T11:55:53.859" v="118" actId="1076"/>
+        <pc:sldMkLst>
+          <pc:docMk/>
+          <pc:sldMk cId="0" sldId="301"/>
+        </pc:sldMkLst>
+        <pc:picChg chg="add mod">
+          <ac:chgData name="Joshua Gross" userId="7bb6a70e-9d37-46e4-96de-748557707bd0" providerId="ADAL" clId="{607FDEE8-456F-4244-B85A-3F4ABCF8138A}" dt="2023-10-11T11:55:53.859" v="118" actId="1076"/>
+          <ac:picMkLst>
+            <pc:docMk/>
+            <pc:sldMk cId="0" sldId="301"/>
+            <ac:picMk id="3" creationId="{9E0C4CDB-7DA1-4D2A-B50D-135B113E8D6A}"/>
+          </ac:picMkLst>
+        </pc:picChg>
+      </pc:sldChg>
+      <pc:sldChg chg="addSp modSp">
+        <pc:chgData name="Joshua Gross" userId="7bb6a70e-9d37-46e4-96de-748557707bd0" providerId="ADAL" clId="{607FDEE8-456F-4244-B85A-3F4ABCF8138A}" dt="2023-10-11T11:57:33.800" v="137" actId="14100"/>
+        <pc:sldMkLst>
+          <pc:docMk/>
+          <pc:sldMk cId="0" sldId="302"/>
+        </pc:sldMkLst>
+        <pc:spChg chg="mod">
+          <ac:chgData name="Joshua Gross" userId="7bb6a70e-9d37-46e4-96de-748557707bd0" providerId="ADAL" clId="{607FDEE8-456F-4244-B85A-3F4ABCF8138A}" dt="2023-10-11T11:57:23.564" v="133" actId="27636"/>
+          <ac:spMkLst>
+            <pc:docMk/>
+            <pc:sldMk cId="0" sldId="302"/>
+            <ac:spMk id="5" creationId="{00000000-0000-0000-0000-000000000000}"/>
+          </ac:spMkLst>
+        </pc:spChg>
+        <pc:picChg chg="add mod">
+          <ac:chgData name="Joshua Gross" userId="7bb6a70e-9d37-46e4-96de-748557707bd0" providerId="ADAL" clId="{607FDEE8-456F-4244-B85A-3F4ABCF8138A}" dt="2023-10-11T11:57:33.800" v="137" actId="14100"/>
+          <ac:picMkLst>
+            <pc:docMk/>
+            <pc:sldMk cId="0" sldId="302"/>
+            <ac:picMk id="3" creationId="{14C3599D-E546-486D-B242-2C8717E5D9CB}"/>
+          </ac:picMkLst>
+        </pc:picChg>
+      </pc:sldChg>
+    </pc:docChg>
+  </pc:docChgLst>
+</pc:chgInfo>
 </file>
 
 <file path=ppt/slideLayouts/slideLayout1.xml><?xml version="1.0" encoding="utf-8"?>
@@ -189,10 +456,9 @@
           </a:lstStyle>
           <a:p>
             <a:r>
-              <a:rPr lang="en-US" smtClean="0"/>
+              <a:rPr lang="en-US"/>
               <a:t>Click to edit Master title style</a:t>
             </a:r>
-            <a:endParaRPr lang="en-US"/>
           </a:p>
         </p:txBody>
       </p:sp>
@@ -254,10 +520,9 @@
           </a:lstStyle>
           <a:p>
             <a:r>
-              <a:rPr lang="en-US" smtClean="0"/>
+              <a:rPr lang="en-US"/>
               <a:t>Click to edit Master subtitle style</a:t>
             </a:r>
-            <a:endParaRPr lang="en-US"/>
           </a:p>
         </p:txBody>
       </p:sp>
@@ -278,6 +543,7 @@
           <a:p>
             <a:fld id="{63A1C593-65D0-4073-BCC9-577B9352EA97}" type="datetimeFigureOut">
               <a:rPr lang="en-US" smtClean="0"/>
+              <a:t>10/11/2023</a:t>
             </a:fld>
             <a:endParaRPr lang="en-US"/>
           </a:p>
@@ -319,6 +585,7 @@
           <a:p>
             <a:fld id="{9B618960-8005-486C-9A75-10CB2AAC16F9}" type="slidenum">
               <a:rPr lang="en-US" smtClean="0"/>
+              <a:t>‹#›</a:t>
             </a:fld>
             <a:endParaRPr lang="en-US"/>
           </a:p>
@@ -365,10 +632,9 @@
           <a:lstStyle/>
           <a:p>
             <a:r>
-              <a:rPr lang="en-US" smtClean="0"/>
+              <a:rPr lang="en-US"/>
               <a:t>Click to edit Master title style</a:t>
             </a:r>
-            <a:endParaRPr lang="en-US"/>
           </a:p>
         </p:txBody>
       </p:sp>
@@ -389,42 +655,37 @@
           <a:p>
             <a:pPr lvl="0"/>
             <a:r>
-              <a:rPr lang="en-US" smtClean="0"/>
+              <a:rPr lang="en-US"/>
               <a:t>Click to edit Master text styles</a:t>
             </a:r>
-            <a:endParaRPr lang="en-US" smtClean="0"/>
           </a:p>
           <a:p>
             <a:pPr lvl="1"/>
             <a:r>
-              <a:rPr lang="en-US" smtClean="0"/>
+              <a:rPr lang="en-US"/>
               <a:t>Second level</a:t>
             </a:r>
-            <a:endParaRPr lang="en-US" smtClean="0"/>
           </a:p>
           <a:p>
             <a:pPr lvl="2"/>
             <a:r>
-              <a:rPr lang="en-US" smtClean="0"/>
+              <a:rPr lang="en-US"/>
               <a:t>Third level</a:t>
             </a:r>
-            <a:endParaRPr lang="en-US" smtClean="0"/>
           </a:p>
           <a:p>
             <a:pPr lvl="3"/>
             <a:r>
-              <a:rPr lang="en-US" smtClean="0"/>
+              <a:rPr lang="en-US"/>
               <a:t>Fourth level</a:t>
             </a:r>
-            <a:endParaRPr lang="en-US" smtClean="0"/>
           </a:p>
           <a:p>
             <a:pPr lvl="4"/>
             <a:r>
-              <a:rPr lang="en-US" smtClean="0"/>
+              <a:rPr lang="en-US"/>
               <a:t>Fifth level</a:t>
             </a:r>
-            <a:endParaRPr lang="en-US"/>
           </a:p>
         </p:txBody>
       </p:sp>
@@ -445,6 +706,7 @@
           <a:p>
             <a:fld id="{63A1C593-65D0-4073-BCC9-577B9352EA97}" type="datetimeFigureOut">
               <a:rPr lang="en-US" smtClean="0"/>
+              <a:t>10/11/2023</a:t>
             </a:fld>
             <a:endParaRPr lang="en-US"/>
           </a:p>
@@ -486,6 +748,7 @@
           <a:p>
             <a:fld id="{9B618960-8005-486C-9A75-10CB2AAC16F9}" type="slidenum">
               <a:rPr lang="en-US" smtClean="0"/>
+              <a:t>‹#›</a:t>
             </a:fld>
             <a:endParaRPr lang="en-US"/>
           </a:p>
@@ -537,10 +800,9 @@
           <a:lstStyle/>
           <a:p>
             <a:r>
-              <a:rPr lang="en-US" smtClean="0"/>
+              <a:rPr lang="en-US"/>
               <a:t>Click to edit Master title style</a:t>
             </a:r>
-            <a:endParaRPr lang="en-US"/>
           </a:p>
         </p:txBody>
       </p:sp>
@@ -566,42 +828,37 @@
           <a:p>
             <a:pPr lvl="0"/>
             <a:r>
-              <a:rPr lang="en-US" smtClean="0"/>
+              <a:rPr lang="en-US"/>
               <a:t>Click to edit Master text styles</a:t>
             </a:r>
-            <a:endParaRPr lang="en-US" smtClean="0"/>
           </a:p>
           <a:p>
             <a:pPr lvl="1"/>
             <a:r>
-              <a:rPr lang="en-US" smtClean="0"/>
+              <a:rPr lang="en-US"/>
               <a:t>Second level</a:t>
             </a:r>
-            <a:endParaRPr lang="en-US" smtClean="0"/>
           </a:p>
           <a:p>
             <a:pPr lvl="2"/>
             <a:r>
-              <a:rPr lang="en-US" smtClean="0"/>
+              <a:rPr lang="en-US"/>
               <a:t>Third level</a:t>
             </a:r>
-            <a:endParaRPr lang="en-US" smtClean="0"/>
           </a:p>
           <a:p>
             <a:pPr lvl="3"/>
             <a:r>
-              <a:rPr lang="en-US" smtClean="0"/>
+              <a:rPr lang="en-US"/>
               <a:t>Fourth level</a:t>
             </a:r>
-            <a:endParaRPr lang="en-US" smtClean="0"/>
           </a:p>
           <a:p>
             <a:pPr lvl="4"/>
             <a:r>
-              <a:rPr lang="en-US" smtClean="0"/>
+              <a:rPr lang="en-US"/>
               <a:t>Fifth level</a:t>
             </a:r>
-            <a:endParaRPr lang="en-US"/>
           </a:p>
         </p:txBody>
       </p:sp>
@@ -622,6 +879,7 @@
           <a:p>
             <a:fld id="{63A1C593-65D0-4073-BCC9-577B9352EA97}" type="datetimeFigureOut">
               <a:rPr lang="en-US" smtClean="0"/>
+              <a:t>10/11/2023</a:t>
             </a:fld>
             <a:endParaRPr lang="en-US"/>
           </a:p>
@@ -663,6 +921,7 @@
           <a:p>
             <a:fld id="{9B618960-8005-486C-9A75-10CB2AAC16F9}" type="slidenum">
               <a:rPr lang="en-US" smtClean="0"/>
+              <a:t>‹#›</a:t>
             </a:fld>
             <a:endParaRPr lang="en-US"/>
           </a:p>
@@ -709,10 +968,9 @@
           <a:lstStyle/>
           <a:p>
             <a:r>
-              <a:rPr lang="en-US" smtClean="0"/>
+              <a:rPr lang="en-US"/>
               <a:t>Click to edit Master title style</a:t>
             </a:r>
-            <a:endParaRPr lang="en-US"/>
           </a:p>
         </p:txBody>
       </p:sp>
@@ -733,42 +991,37 @@
           <a:p>
             <a:pPr lvl="0"/>
             <a:r>
-              <a:rPr lang="en-US" smtClean="0"/>
+              <a:rPr lang="en-US"/>
               <a:t>Click to edit Master text styles</a:t>
             </a:r>
-            <a:endParaRPr lang="en-US" smtClean="0"/>
           </a:p>
           <a:p>
             <a:pPr lvl="1"/>
             <a:r>
-              <a:rPr lang="en-US" smtClean="0"/>
+              <a:rPr lang="en-US"/>
               <a:t>Second level</a:t>
             </a:r>
-            <a:endParaRPr lang="en-US" smtClean="0"/>
           </a:p>
           <a:p>
             <a:pPr lvl="2"/>
             <a:r>
-              <a:rPr lang="en-US" smtClean="0"/>
+              <a:rPr lang="en-US"/>
               <a:t>Third level</a:t>
             </a:r>
-            <a:endParaRPr lang="en-US" smtClean="0"/>
           </a:p>
           <a:p>
             <a:pPr lvl="3"/>
             <a:r>
-              <a:rPr lang="en-US" smtClean="0"/>
+              <a:rPr lang="en-US"/>
               <a:t>Fourth level</a:t>
             </a:r>
-            <a:endParaRPr lang="en-US" smtClean="0"/>
           </a:p>
           <a:p>
             <a:pPr lvl="4"/>
             <a:r>
-              <a:rPr lang="en-US" smtClean="0"/>
+              <a:rPr lang="en-US"/>
               <a:t>Fifth level</a:t>
             </a:r>
-            <a:endParaRPr lang="en-US"/>
           </a:p>
         </p:txBody>
       </p:sp>
@@ -789,6 +1042,7 @@
           <a:p>
             <a:fld id="{63A1C593-65D0-4073-BCC9-577B9352EA97}" type="datetimeFigureOut">
               <a:rPr lang="en-US" smtClean="0"/>
+              <a:t>10/11/2023</a:t>
             </a:fld>
             <a:endParaRPr lang="en-US"/>
           </a:p>
@@ -830,6 +1084,7 @@
           <a:p>
             <a:fld id="{9B618960-8005-486C-9A75-10CB2AAC16F9}" type="slidenum">
               <a:rPr lang="en-US" smtClean="0"/>
+              <a:t>‹#›</a:t>
             </a:fld>
             <a:endParaRPr lang="en-US"/>
           </a:p>
@@ -876,10 +1131,9 @@
           <a:lstStyle/>
           <a:p>
             <a:r>
-              <a:rPr lang="en-US" smtClean="0"/>
+              <a:rPr lang="en-US"/>
               <a:t>Click to edit Master title style</a:t>
             </a:r>
-            <a:endParaRPr lang="en-US"/>
           </a:p>
         </p:txBody>
       </p:sp>
@@ -900,42 +1154,37 @@
           <a:p>
             <a:pPr lvl="0"/>
             <a:r>
-              <a:rPr lang="en-US" smtClean="0"/>
+              <a:rPr lang="en-US"/>
               <a:t>Click to edit Master text styles</a:t>
             </a:r>
-            <a:endParaRPr lang="en-US" smtClean="0"/>
           </a:p>
           <a:p>
             <a:pPr lvl="1"/>
             <a:r>
-              <a:rPr lang="en-US" smtClean="0"/>
+              <a:rPr lang="en-US"/>
               <a:t>Second level</a:t>
             </a:r>
-            <a:endParaRPr lang="en-US" smtClean="0"/>
           </a:p>
           <a:p>
             <a:pPr lvl="2"/>
             <a:r>
-              <a:rPr lang="en-US" smtClean="0"/>
+              <a:rPr lang="en-US"/>
               <a:t>Third level</a:t>
             </a:r>
-            <a:endParaRPr lang="en-US" smtClean="0"/>
           </a:p>
           <a:p>
             <a:pPr lvl="3"/>
             <a:r>
-              <a:rPr lang="en-US" smtClean="0"/>
+              <a:rPr lang="en-US"/>
               <a:t>Fourth level</a:t>
             </a:r>
-            <a:endParaRPr lang="en-US" smtClean="0"/>
           </a:p>
           <a:p>
             <a:pPr lvl="4"/>
             <a:r>
-              <a:rPr lang="en-US" smtClean="0"/>
+              <a:rPr lang="en-US"/>
               <a:t>Fifth level</a:t>
             </a:r>
-            <a:endParaRPr lang="en-US"/>
           </a:p>
         </p:txBody>
       </p:sp>
@@ -956,6 +1205,7 @@
           <a:p>
             <a:fld id="{63A1C593-65D0-4073-BCC9-577B9352EA97}" type="datetimeFigureOut">
               <a:rPr lang="en-US" smtClean="0"/>
+              <a:t>10/11/2023</a:t>
             </a:fld>
             <a:endParaRPr lang="en-US"/>
           </a:p>
@@ -997,6 +1247,7 @@
           <a:p>
             <a:fld id="{9B618960-8005-486C-9A75-10CB2AAC16F9}" type="slidenum">
               <a:rPr lang="en-US" smtClean="0"/>
+              <a:t>‹#›</a:t>
             </a:fld>
             <a:endParaRPr lang="en-US"/>
           </a:p>
@@ -1052,10 +1303,9 @@
           </a:lstStyle>
           <a:p>
             <a:r>
-              <a:rPr lang="en-US" smtClean="0"/>
+              <a:rPr lang="en-US"/>
               <a:t>Click to edit Master title style</a:t>
             </a:r>
-            <a:endParaRPr lang="en-US"/>
           </a:p>
         </p:txBody>
       </p:sp>
@@ -1172,10 +1422,9 @@
           <a:p>
             <a:pPr lvl="0"/>
             <a:r>
-              <a:rPr lang="en-US" smtClean="0"/>
+              <a:rPr lang="en-US"/>
               <a:t>Click to edit Master text styles</a:t>
             </a:r>
-            <a:endParaRPr lang="en-US" smtClean="0"/>
           </a:p>
         </p:txBody>
       </p:sp>
@@ -1196,6 +1445,7 @@
           <a:p>
             <a:fld id="{63A1C593-65D0-4073-BCC9-577B9352EA97}" type="datetimeFigureOut">
               <a:rPr lang="en-US" smtClean="0"/>
+              <a:t>10/11/2023</a:t>
             </a:fld>
             <a:endParaRPr lang="en-US"/>
           </a:p>
@@ -1237,6 +1487,7 @@
           <a:p>
             <a:fld id="{9B618960-8005-486C-9A75-10CB2AAC16F9}" type="slidenum">
               <a:rPr lang="en-US" smtClean="0"/>
+              <a:t>‹#›</a:t>
             </a:fld>
             <a:endParaRPr lang="en-US"/>
           </a:p>
@@ -1283,10 +1534,9 @@
           <a:lstStyle/>
           <a:p>
             <a:r>
-              <a:rPr lang="en-US" smtClean="0"/>
+              <a:rPr lang="en-US"/>
               <a:t>Click to edit Master title style</a:t>
             </a:r>
-            <a:endParaRPr lang="en-US"/>
           </a:p>
         </p:txBody>
       </p:sp>
@@ -1312,42 +1562,37 @@
           <a:p>
             <a:pPr lvl="0"/>
             <a:r>
-              <a:rPr lang="en-US" smtClean="0"/>
+              <a:rPr lang="en-US"/>
               <a:t>Click to edit Master text styles</a:t>
             </a:r>
-            <a:endParaRPr lang="en-US" smtClean="0"/>
           </a:p>
           <a:p>
             <a:pPr lvl="1"/>
             <a:r>
-              <a:rPr lang="en-US" smtClean="0"/>
+              <a:rPr lang="en-US"/>
               <a:t>Second level</a:t>
             </a:r>
-            <a:endParaRPr lang="en-US" smtClean="0"/>
           </a:p>
           <a:p>
             <a:pPr lvl="2"/>
             <a:r>
-              <a:rPr lang="en-US" smtClean="0"/>
+              <a:rPr lang="en-US"/>
               <a:t>Third level</a:t>
             </a:r>
-            <a:endParaRPr lang="en-US" smtClean="0"/>
           </a:p>
           <a:p>
             <a:pPr lvl="3"/>
             <a:r>
-              <a:rPr lang="en-US" smtClean="0"/>
+              <a:rPr lang="en-US"/>
               <a:t>Fourth level</a:t>
             </a:r>
-            <a:endParaRPr lang="en-US" smtClean="0"/>
           </a:p>
           <a:p>
             <a:pPr lvl="4"/>
             <a:r>
-              <a:rPr lang="en-US" smtClean="0"/>
+              <a:rPr lang="en-US"/>
               <a:t>Fifth level</a:t>
             </a:r>
-            <a:endParaRPr lang="en-US"/>
           </a:p>
         </p:txBody>
       </p:sp>
@@ -1373,42 +1618,37 @@
           <a:p>
             <a:pPr lvl="0"/>
             <a:r>
-              <a:rPr lang="en-US" smtClean="0"/>
+              <a:rPr lang="en-US"/>
               <a:t>Click to edit Master text styles</a:t>
             </a:r>
-            <a:endParaRPr lang="en-US" smtClean="0"/>
           </a:p>
           <a:p>
             <a:pPr lvl="1"/>
             <a:r>
-              <a:rPr lang="en-US" smtClean="0"/>
+              <a:rPr lang="en-US"/>
               <a:t>Second level</a:t>
             </a:r>
-            <a:endParaRPr lang="en-US" smtClean="0"/>
           </a:p>
           <a:p>
             <a:pPr lvl="2"/>
             <a:r>
-              <a:rPr lang="en-US" smtClean="0"/>
+              <a:rPr lang="en-US"/>
               <a:t>Third level</a:t>
             </a:r>
-            <a:endParaRPr lang="en-US" smtClean="0"/>
           </a:p>
           <a:p>
             <a:pPr lvl="3"/>
             <a:r>
-              <a:rPr lang="en-US" smtClean="0"/>
+              <a:rPr lang="en-US"/>
               <a:t>Fourth level</a:t>
             </a:r>
-            <a:endParaRPr lang="en-US" smtClean="0"/>
           </a:p>
           <a:p>
             <a:pPr lvl="4"/>
             <a:r>
-              <a:rPr lang="en-US" smtClean="0"/>
+              <a:rPr lang="en-US"/>
               <a:t>Fifth level</a:t>
             </a:r>
-            <a:endParaRPr lang="en-US"/>
           </a:p>
         </p:txBody>
       </p:sp>
@@ -1429,6 +1669,7 @@
           <a:p>
             <a:fld id="{63A1C593-65D0-4073-BCC9-577B9352EA97}" type="datetimeFigureOut">
               <a:rPr lang="en-US" smtClean="0"/>
+              <a:t>10/11/2023</a:t>
             </a:fld>
             <a:endParaRPr lang="en-US"/>
           </a:p>
@@ -1470,6 +1711,7 @@
           <a:p>
             <a:fld id="{9B618960-8005-486C-9A75-10CB2AAC16F9}" type="slidenum">
               <a:rPr lang="en-US" smtClean="0"/>
+              <a:t>‹#›</a:t>
             </a:fld>
             <a:endParaRPr lang="en-US"/>
           </a:p>
@@ -1521,10 +1763,9 @@
           <a:lstStyle/>
           <a:p>
             <a:r>
-              <a:rPr lang="en-US" smtClean="0"/>
+              <a:rPr lang="en-US"/>
               <a:t>Click to edit Master title style</a:t>
             </a:r>
-            <a:endParaRPr lang="en-US"/>
           </a:p>
         </p:txBody>
       </p:sp>
@@ -1587,10 +1828,9 @@
           <a:p>
             <a:pPr lvl="0"/>
             <a:r>
-              <a:rPr lang="en-US" smtClean="0"/>
+              <a:rPr lang="en-US"/>
               <a:t>Click to edit Master text styles</a:t>
             </a:r>
-            <a:endParaRPr lang="en-US" smtClean="0"/>
           </a:p>
         </p:txBody>
       </p:sp>
@@ -1616,42 +1856,37 @@
           <a:p>
             <a:pPr lvl="0"/>
             <a:r>
-              <a:rPr lang="en-US" smtClean="0"/>
+              <a:rPr lang="en-US"/>
               <a:t>Click to edit Master text styles</a:t>
             </a:r>
-            <a:endParaRPr lang="en-US" smtClean="0"/>
           </a:p>
           <a:p>
             <a:pPr lvl="1"/>
             <a:r>
-              <a:rPr lang="en-US" smtClean="0"/>
+              <a:rPr lang="en-US"/>
               <a:t>Second level</a:t>
             </a:r>
-            <a:endParaRPr lang="en-US" smtClean="0"/>
           </a:p>
           <a:p>
             <a:pPr lvl="2"/>
             <a:r>
-              <a:rPr lang="en-US" smtClean="0"/>
+              <a:rPr lang="en-US"/>
               <a:t>Third level</a:t>
             </a:r>
-            <a:endParaRPr lang="en-US" smtClean="0"/>
           </a:p>
           <a:p>
             <a:pPr lvl="3"/>
             <a:r>
-              <a:rPr lang="en-US" smtClean="0"/>
+              <a:rPr lang="en-US"/>
               <a:t>Fourth level</a:t>
             </a:r>
-            <a:endParaRPr lang="en-US" smtClean="0"/>
           </a:p>
           <a:p>
             <a:pPr lvl="4"/>
             <a:r>
-              <a:rPr lang="en-US" smtClean="0"/>
+              <a:rPr lang="en-US"/>
               <a:t>Fifth level</a:t>
             </a:r>
-            <a:endParaRPr lang="en-US"/>
           </a:p>
         </p:txBody>
       </p:sp>
@@ -1714,10 +1949,9 @@
           <a:p>
             <a:pPr lvl="0"/>
             <a:r>
-              <a:rPr lang="en-US" smtClean="0"/>
+              <a:rPr lang="en-US"/>
               <a:t>Click to edit Master text styles</a:t>
             </a:r>
-            <a:endParaRPr lang="en-US" smtClean="0"/>
           </a:p>
         </p:txBody>
       </p:sp>
@@ -1743,42 +1977,37 @@
           <a:p>
             <a:pPr lvl="0"/>
             <a:r>
-              <a:rPr lang="en-US" smtClean="0"/>
+              <a:rPr lang="en-US"/>
               <a:t>Click to edit Master text styles</a:t>
             </a:r>
-            <a:endParaRPr lang="en-US" smtClean="0"/>
           </a:p>
           <a:p>
             <a:pPr lvl="1"/>
             <a:r>
-              <a:rPr lang="en-US" smtClean="0"/>
+              <a:rPr lang="en-US"/>
               <a:t>Second level</a:t>
             </a:r>
-            <a:endParaRPr lang="en-US" smtClean="0"/>
           </a:p>
           <a:p>
             <a:pPr lvl="2"/>
             <a:r>
-              <a:rPr lang="en-US" smtClean="0"/>
+              <a:rPr lang="en-US"/>
               <a:t>Third level</a:t>
             </a:r>
-            <a:endParaRPr lang="en-US" smtClean="0"/>
           </a:p>
           <a:p>
             <a:pPr lvl="3"/>
             <a:r>
-              <a:rPr lang="en-US" smtClean="0"/>
+              <a:rPr lang="en-US"/>
               <a:t>Fourth level</a:t>
             </a:r>
-            <a:endParaRPr lang="en-US" smtClean="0"/>
           </a:p>
           <a:p>
             <a:pPr lvl="4"/>
             <a:r>
-              <a:rPr lang="en-US" smtClean="0"/>
+              <a:rPr lang="en-US"/>
               <a:t>Fifth level</a:t>
             </a:r>
-            <a:endParaRPr lang="en-US"/>
           </a:p>
         </p:txBody>
       </p:sp>
@@ -1799,6 +2028,7 @@
           <a:p>
             <a:fld id="{63A1C593-65D0-4073-BCC9-577B9352EA97}" type="datetimeFigureOut">
               <a:rPr lang="en-US" smtClean="0"/>
+              <a:t>10/11/2023</a:t>
             </a:fld>
             <a:endParaRPr lang="en-US"/>
           </a:p>
@@ -1840,6 +2070,7 @@
           <a:p>
             <a:fld id="{9B618960-8005-486C-9A75-10CB2AAC16F9}" type="slidenum">
               <a:rPr lang="en-US" smtClean="0"/>
+              <a:t>‹#›</a:t>
             </a:fld>
             <a:endParaRPr lang="en-US"/>
           </a:p>
@@ -1886,10 +2117,9 @@
           <a:lstStyle/>
           <a:p>
             <a:r>
-              <a:rPr lang="en-US" smtClean="0"/>
+              <a:rPr lang="en-US"/>
               <a:t>Click to edit Master title style</a:t>
             </a:r>
-            <a:endParaRPr lang="en-US"/>
           </a:p>
         </p:txBody>
       </p:sp>
@@ -1910,6 +2140,7 @@
           <a:p>
             <a:fld id="{63A1C593-65D0-4073-BCC9-577B9352EA97}" type="datetimeFigureOut">
               <a:rPr lang="en-US" smtClean="0"/>
+              <a:t>10/11/2023</a:t>
             </a:fld>
             <a:endParaRPr lang="en-US"/>
           </a:p>
@@ -1951,6 +2182,7 @@
           <a:p>
             <a:fld id="{9B618960-8005-486C-9A75-10CB2AAC16F9}" type="slidenum">
               <a:rPr lang="en-US" smtClean="0"/>
+              <a:t>‹#›</a:t>
             </a:fld>
             <a:endParaRPr lang="en-US"/>
           </a:p>
@@ -1998,6 +2230,7 @@
           <a:p>
             <a:fld id="{63A1C593-65D0-4073-BCC9-577B9352EA97}" type="datetimeFigureOut">
               <a:rPr lang="en-US" smtClean="0"/>
+              <a:t>10/11/2023</a:t>
             </a:fld>
             <a:endParaRPr lang="en-US"/>
           </a:p>
@@ -2039,6 +2272,7 @@
           <a:p>
             <a:fld id="{9B618960-8005-486C-9A75-10CB2AAC16F9}" type="slidenum">
               <a:rPr lang="en-US" smtClean="0"/>
+              <a:t>‹#›</a:t>
             </a:fld>
             <a:endParaRPr lang="en-US"/>
           </a:p>
@@ -2094,10 +2328,9 @@
           </a:lstStyle>
           <a:p>
             <a:r>
-              <a:rPr lang="en-US" smtClean="0"/>
+              <a:rPr lang="en-US"/>
               <a:t>Click to edit Master title style</a:t>
             </a:r>
-            <a:endParaRPr lang="en-US"/>
           </a:p>
         </p:txBody>
       </p:sp>
@@ -2151,42 +2384,37 @@
           <a:p>
             <a:pPr lvl="0"/>
             <a:r>
-              <a:rPr lang="en-US" smtClean="0"/>
+              <a:rPr lang="en-US"/>
               <a:t>Click to edit Master text styles</a:t>
             </a:r>
-            <a:endParaRPr lang="en-US" smtClean="0"/>
           </a:p>
           <a:p>
             <a:pPr lvl="1"/>
             <a:r>
-              <a:rPr lang="en-US" smtClean="0"/>
+              <a:rPr lang="en-US"/>
               <a:t>Second level</a:t>
             </a:r>
-            <a:endParaRPr lang="en-US" smtClean="0"/>
           </a:p>
           <a:p>
             <a:pPr lvl="2"/>
             <a:r>
-              <a:rPr lang="en-US" smtClean="0"/>
+              <a:rPr lang="en-US"/>
               <a:t>Third level</a:t>
             </a:r>
-            <a:endParaRPr lang="en-US" smtClean="0"/>
           </a:p>
           <a:p>
             <a:pPr lvl="3"/>
             <a:r>
-              <a:rPr lang="en-US" smtClean="0"/>
+              <a:rPr lang="en-US"/>
               <a:t>Fourth level</a:t>
             </a:r>
-            <a:endParaRPr lang="en-US" smtClean="0"/>
           </a:p>
           <a:p>
             <a:pPr lvl="4"/>
             <a:r>
-              <a:rPr lang="en-US" smtClean="0"/>
+              <a:rPr lang="en-US"/>
               <a:t>Fifth level</a:t>
             </a:r>
-            <a:endParaRPr lang="en-US"/>
           </a:p>
         </p:txBody>
       </p:sp>
@@ -2249,10 +2477,9 @@
           <a:p>
             <a:pPr lvl="0"/>
             <a:r>
-              <a:rPr lang="en-US" smtClean="0"/>
+              <a:rPr lang="en-US"/>
               <a:t>Click to edit Master text styles</a:t>
             </a:r>
-            <a:endParaRPr lang="en-US" smtClean="0"/>
           </a:p>
         </p:txBody>
       </p:sp>
@@ -2273,6 +2500,7 @@
           <a:p>
             <a:fld id="{63A1C593-65D0-4073-BCC9-577B9352EA97}" type="datetimeFigureOut">
               <a:rPr lang="en-US" smtClean="0"/>
+              <a:t>10/11/2023</a:t>
             </a:fld>
             <a:endParaRPr lang="en-US"/>
           </a:p>
@@ -2314,6 +2542,7 @@
           <a:p>
             <a:fld id="{9B618960-8005-486C-9A75-10CB2AAC16F9}" type="slidenum">
               <a:rPr lang="en-US" smtClean="0"/>
+              <a:t>‹#›</a:t>
             </a:fld>
             <a:endParaRPr lang="en-US"/>
           </a:p>
@@ -2369,10 +2598,9 @@
           </a:lstStyle>
           <a:p>
             <a:r>
-              <a:rPr lang="en-US" smtClean="0"/>
+              <a:rPr lang="en-US"/>
               <a:t>Click to edit Master title style</a:t>
             </a:r>
-            <a:endParaRPr lang="en-US"/>
           </a:p>
         </p:txBody>
       </p:sp>
@@ -2496,10 +2724,9 @@
           <a:p>
             <a:pPr lvl="0"/>
             <a:r>
-              <a:rPr lang="en-US" smtClean="0"/>
+              <a:rPr lang="en-US"/>
               <a:t>Click to edit Master text styles</a:t>
             </a:r>
-            <a:endParaRPr lang="en-US" smtClean="0"/>
           </a:p>
         </p:txBody>
       </p:sp>
@@ -2520,6 +2747,7 @@
           <a:p>
             <a:fld id="{63A1C593-65D0-4073-BCC9-577B9352EA97}" type="datetimeFigureOut">
               <a:rPr lang="en-US" smtClean="0"/>
+              <a:t>10/11/2023</a:t>
             </a:fld>
             <a:endParaRPr lang="en-US"/>
           </a:p>
@@ -2561,6 +2789,7 @@
           <a:p>
             <a:fld id="{9B618960-8005-486C-9A75-10CB2AAC16F9}" type="slidenum">
               <a:rPr lang="en-US" smtClean="0"/>
+              <a:t>‹#›</a:t>
             </a:fld>
             <a:endParaRPr lang="en-US"/>
           </a:p>
@@ -2622,10 +2851,9 @@
           <a:lstStyle/>
           <a:p>
             <a:r>
-              <a:rPr lang="en-US" smtClean="0"/>
+              <a:rPr lang="en-US"/>
               <a:t>Click to edit Master title style</a:t>
             </a:r>
-            <a:endParaRPr lang="en-US"/>
           </a:p>
         </p:txBody>
       </p:sp>
@@ -2656,42 +2884,37 @@
           <a:p>
             <a:pPr lvl="0"/>
             <a:r>
-              <a:rPr lang="en-US" smtClean="0"/>
+              <a:rPr lang="en-US"/>
               <a:t>Click to edit Master text styles</a:t>
             </a:r>
-            <a:endParaRPr lang="en-US" smtClean="0"/>
           </a:p>
           <a:p>
             <a:pPr lvl="1"/>
             <a:r>
-              <a:rPr lang="en-US" smtClean="0"/>
+              <a:rPr lang="en-US"/>
               <a:t>Second level</a:t>
             </a:r>
-            <a:endParaRPr lang="en-US" smtClean="0"/>
           </a:p>
           <a:p>
             <a:pPr lvl="2"/>
             <a:r>
-              <a:rPr lang="en-US" smtClean="0"/>
+              <a:rPr lang="en-US"/>
               <a:t>Third level</a:t>
             </a:r>
-            <a:endParaRPr lang="en-US" smtClean="0"/>
           </a:p>
           <a:p>
             <a:pPr lvl="3"/>
             <a:r>
-              <a:rPr lang="en-US" smtClean="0"/>
+              <a:rPr lang="en-US"/>
               <a:t>Fourth level</a:t>
             </a:r>
-            <a:endParaRPr lang="en-US" smtClean="0"/>
           </a:p>
           <a:p>
             <a:pPr lvl="4"/>
             <a:r>
-              <a:rPr lang="en-US" smtClean="0"/>
+              <a:rPr lang="en-US"/>
               <a:t>Fifth level</a:t>
             </a:r>
-            <a:endParaRPr lang="en-US"/>
           </a:p>
         </p:txBody>
       </p:sp>
@@ -2730,6 +2953,7 @@
           <a:p>
             <a:fld id="{63A1C593-65D0-4073-BCC9-577B9352EA97}" type="datetimeFigureOut">
               <a:rPr lang="en-US" smtClean="0"/>
+              <a:t>10/11/2023</a:t>
             </a:fld>
             <a:endParaRPr lang="en-US"/>
           </a:p>
@@ -2807,6 +3031,7 @@
           <a:p>
             <a:fld id="{9B618960-8005-486C-9A75-10CB2AAC16F9}" type="slidenum">
               <a:rPr lang="en-US" smtClean="0"/>
+              <a:t>‹#›</a:t>
             </a:fld>
             <a:endParaRPr lang="en-US"/>
           </a:p>
@@ -3121,7 +3346,14 @@
         <p:cNvGrpSpPr/>
         <p:nvPr/>
       </p:nvGrpSpPr>
-      <p:grpSpPr/>
+      <p:grpSpPr>
+        <a:xfrm>
+          <a:off x="0" y="0"/>
+          <a:ext cx="0" cy="0"/>
+          <a:chOff x="0" y="0"/>
+          <a:chExt cx="0" cy="0"/>
+        </a:xfrm>
+      </p:grpSpPr>
       <p:sp>
         <p:nvSpPr>
           <p:cNvPr id="2" name="Title 1"/>
@@ -3135,12 +3367,12 @@
         <p:spPr/>
         <p:txBody>
           <a:bodyPr/>
+          <a:lstStyle/>
           <a:p>
             <a:r>
               <a:rPr lang="en-US"/>
               <a:t>Lecture 10</a:t>
             </a:r>
-            <a:endParaRPr lang="en-US"/>
           </a:p>
         </p:txBody>
       </p:sp>
@@ -3157,6 +3389,7 @@
         <p:spPr/>
         <p:txBody>
           <a:bodyPr/>
+          <a:lstStyle/>
           <a:p>
             <a:r>
               <a:rPr lang="en-US">
@@ -3185,7 +3418,14 @@
         <p:cNvGrpSpPr/>
         <p:nvPr/>
       </p:nvGrpSpPr>
-      <p:grpSpPr/>
+      <p:grpSpPr>
+        <a:xfrm>
+          <a:off x="0" y="0"/>
+          <a:ext cx="0" cy="0"/>
+          <a:chOff x="0" y="0"/>
+          <a:chExt cx="0" cy="0"/>
+        </a:xfrm>
+      </p:grpSpPr>
       <p:sp>
         <p:nvSpPr>
           <p:cNvPr id="4" name="Title 3"/>
@@ -3199,12 +3439,12 @@
         <p:spPr/>
         <p:txBody>
           <a:bodyPr/>
+          <a:lstStyle/>
           <a:p>
             <a:r>
               <a:rPr lang="en-US"/>
               <a:t>Running JS in a Web Browser</a:t>
             </a:r>
-            <a:endParaRPr lang="en-US"/>
           </a:p>
         </p:txBody>
       </p:sp>
@@ -3221,12 +3461,12 @@
         <p:spPr/>
         <p:txBody>
           <a:bodyPr/>
+          <a:lstStyle/>
           <a:p>
             <a:r>
               <a:rPr lang="en-US"/>
               <a:t>In order to run JS in a browser, it must be included in an HTML file.</a:t>
             </a:r>
-            <a:endParaRPr lang="en-US"/>
           </a:p>
           <a:p>
             <a:pPr lvl="1"/>
@@ -3244,7 +3484,6 @@
               <a:rPr lang="en-US"/>
               <a:t>, external, or internal</a:t>
             </a:r>
-            <a:endParaRPr lang="en-US"/>
           </a:p>
           <a:p>
             <a:pPr lvl="1"/>
@@ -3256,7 +3495,6 @@
               <a:rPr lang="en-US"/>
               <a:t>Internal Solution (in a .HTML file):</a:t>
             </a:r>
-            <a:endParaRPr lang="en-US"/>
           </a:p>
           <a:p>
             <a:pPr marL="457200" lvl="1" indent="0">
@@ -3266,7 +3504,6 @@
               <a:rPr lang="en-US"/>
               <a:t>&lt;script&gt;</a:t>
             </a:r>
-            <a:endParaRPr lang="en-US"/>
           </a:p>
           <a:p>
             <a:pPr marL="457200" lvl="1" indent="457200">
@@ -3276,7 +3513,6 @@
               <a:rPr lang="en-US"/>
               <a:t>console.log(“Hello, World!”);</a:t>
             </a:r>
-            <a:endParaRPr lang="en-US"/>
           </a:p>
           <a:p>
             <a:pPr marL="457200" lvl="1" indent="0">
@@ -3286,7 +3522,6 @@
               <a:rPr lang="en-US"/>
               <a:t>&lt;/script&gt;</a:t>
             </a:r>
-            <a:endParaRPr lang="en-US"/>
           </a:p>
         </p:txBody>
       </p:sp>
@@ -3307,7 +3542,14 @@
         <p:cNvGrpSpPr/>
         <p:nvPr/>
       </p:nvGrpSpPr>
-      <p:grpSpPr/>
+      <p:grpSpPr>
+        <a:xfrm>
+          <a:off x="0" y="0"/>
+          <a:ext cx="0" cy="0"/>
+          <a:chOff x="0" y="0"/>
+          <a:chExt cx="0" cy="0"/>
+        </a:xfrm>
+      </p:grpSpPr>
       <p:sp>
         <p:nvSpPr>
           <p:cNvPr id="4" name="Title 3"/>
@@ -3321,12 +3563,12 @@
         <p:spPr/>
         <p:txBody>
           <a:bodyPr/>
+          <a:lstStyle/>
           <a:p>
             <a:r>
               <a:rPr lang="en-US"/>
               <a:t>Running JS in a Web Browser</a:t>
             </a:r>
-            <a:endParaRPr lang="en-US"/>
           </a:p>
         </p:txBody>
       </p:sp>
@@ -3343,12 +3585,12 @@
         <p:spPr/>
         <p:txBody>
           <a:bodyPr/>
+          <a:lstStyle/>
           <a:p>
             <a:r>
               <a:rPr lang="en-US"/>
               <a:t>After typing the console statement into a blank .html and opening it, we see: </a:t>
             </a:r>
-            <a:endParaRPr lang="en-US"/>
           </a:p>
         </p:txBody>
       </p:sp>
@@ -3361,7 +3603,7 @@
           <p:nvPr/>
         </p:nvPicPr>
         <p:blipFill>
-          <a:blip r:embed="rId1"/>
+          <a:blip r:embed="rId2"/>
           <a:stretch>
             <a:fillRect/>
           </a:stretch>
@@ -3393,7 +3635,14 @@
         <p:cNvGrpSpPr/>
         <p:nvPr/>
       </p:nvGrpSpPr>
-      <p:grpSpPr/>
+      <p:grpSpPr>
+        <a:xfrm>
+          <a:off x="0" y="0"/>
+          <a:ext cx="0" cy="0"/>
+          <a:chOff x="0" y="0"/>
+          <a:chExt cx="0" cy="0"/>
+        </a:xfrm>
+      </p:grpSpPr>
       <p:sp>
         <p:nvSpPr>
           <p:cNvPr id="4" name="Title 3"/>
@@ -3407,12 +3656,12 @@
         <p:spPr/>
         <p:txBody>
           <a:bodyPr/>
+          <a:lstStyle/>
           <a:p>
             <a:r>
               <a:rPr lang="en-US"/>
               <a:t>Running JS in a Web Browser</a:t>
             </a:r>
-            <a:endParaRPr lang="en-US"/>
           </a:p>
         </p:txBody>
       </p:sp>
@@ -3429,12 +3678,12 @@
         <p:spPr/>
         <p:txBody>
           <a:bodyPr/>
+          <a:lstStyle/>
           <a:p>
             <a:r>
               <a:rPr lang="en-US"/>
               <a:t>After typing the console statement into a blank .html and opening it, we see: </a:t>
             </a:r>
-            <a:endParaRPr lang="en-US"/>
           </a:p>
         </p:txBody>
       </p:sp>
@@ -3447,7 +3696,7 @@
           <p:nvPr/>
         </p:nvPicPr>
         <p:blipFill>
-          <a:blip r:embed="rId1"/>
+          <a:blip r:embed="rId2"/>
           <a:stretch>
             <a:fillRect/>
           </a:stretch>
@@ -3482,12 +3731,12 @@
           <a:bodyPr wrap="square" rtlCol="0">
             <a:noAutofit/>
           </a:bodyPr>
+          <a:lstStyle/>
           <a:p>
             <a:r>
               <a:rPr lang="en-US"/>
               <a:t>Where’s the message? </a:t>
             </a:r>
-            <a:endParaRPr lang="en-US"/>
           </a:p>
         </p:txBody>
       </p:sp>
@@ -3508,7 +3757,14 @@
         <p:cNvGrpSpPr/>
         <p:nvPr/>
       </p:nvGrpSpPr>
-      <p:grpSpPr/>
+      <p:grpSpPr>
+        <a:xfrm>
+          <a:off x="0" y="0"/>
+          <a:ext cx="0" cy="0"/>
+          <a:chOff x="0" y="0"/>
+          <a:chExt cx="0" cy="0"/>
+        </a:xfrm>
+      </p:grpSpPr>
       <p:sp>
         <p:nvSpPr>
           <p:cNvPr id="4" name="Title 3"/>
@@ -3522,12 +3778,12 @@
         <p:spPr/>
         <p:txBody>
           <a:bodyPr/>
+          <a:lstStyle/>
           <a:p>
             <a:r>
               <a:rPr lang="en-US"/>
               <a:t>Running JS in a Web Browser</a:t>
             </a:r>
-            <a:endParaRPr lang="en-US"/>
           </a:p>
         </p:txBody>
       </p:sp>
@@ -3544,12 +3800,12 @@
         <p:spPr/>
         <p:txBody>
           <a:bodyPr/>
+          <a:lstStyle/>
           <a:p>
             <a:r>
               <a:rPr lang="en-US"/>
               <a:t>After typing the console statement into a blank .html and opening it, we see: </a:t>
             </a:r>
-            <a:endParaRPr lang="en-US"/>
           </a:p>
         </p:txBody>
       </p:sp>
@@ -3562,7 +3818,7 @@
           <p:nvPr/>
         </p:nvPicPr>
         <p:blipFill>
-          <a:blip r:embed="rId1"/>
+          <a:blip r:embed="rId2"/>
           <a:stretch>
             <a:fillRect/>
           </a:stretch>
@@ -3597,32 +3853,32 @@
           <a:bodyPr wrap="square" rtlCol="0">
             <a:noAutofit/>
           </a:bodyPr>
-          <a:p>
-            <a:r>
-              <a:rPr lang="en-US"/>
+          <a:lstStyle/>
+          <a:p>
+            <a:r>
+              <a:rPr lang="en-US" dirty="0"/>
               <a:t>Where’s the message?</a:t>
             </a:r>
-            <a:endParaRPr lang="en-US"/>
           </a:p>
           <a:p>
             <a:pPr indent="457200"/>
             <a:r>
-              <a:rPr lang="en-US"/>
+              <a:rPr lang="en-US" dirty="0"/>
               <a:t>- The message is displayed in the </a:t>
             </a:r>
             <a:r>
-              <a:rPr lang="en-US" i="1"/>
+              <a:rPr lang="en-US" i="1" dirty="0"/>
               <a:t>console</a:t>
             </a:r>
             <a:r>
-              <a:rPr lang="en-US"/>
+              <a:rPr lang="en-US" dirty="0"/>
               <a:t>, but what we view by default is the </a:t>
             </a:r>
             <a:r>
-              <a:rPr lang="en-US" i="1"/>
-              <a:t>window</a:t>
-            </a:r>
-            <a:endParaRPr lang="en-US" i="1"/>
+              <a:rPr lang="en-US" i="1" dirty="0"/>
+              <a:t>document / body</a:t>
+            </a:r>
+            <a:endParaRPr lang="en-US" dirty="0"/>
           </a:p>
         </p:txBody>
       </p:sp>
@@ -3643,7 +3899,14 @@
         <p:cNvGrpSpPr/>
         <p:nvPr/>
       </p:nvGrpSpPr>
-      <p:grpSpPr/>
+      <p:grpSpPr>
+        <a:xfrm>
+          <a:off x="0" y="0"/>
+          <a:ext cx="0" cy="0"/>
+          <a:chOff x="0" y="0"/>
+          <a:chExt cx="0" cy="0"/>
+        </a:xfrm>
+      </p:grpSpPr>
       <p:sp>
         <p:nvSpPr>
           <p:cNvPr id="4" name="Title 3"/>
@@ -3657,12 +3920,12 @@
         <p:spPr/>
         <p:txBody>
           <a:bodyPr/>
+          <a:lstStyle/>
           <a:p>
             <a:r>
               <a:rPr lang="en-US"/>
               <a:t>Anatomy of a Web Browser</a:t>
             </a:r>
-            <a:endParaRPr lang="en-US"/>
           </a:p>
         </p:txBody>
       </p:sp>
@@ -3675,7 +3938,7 @@
           <p:nvPr/>
         </p:nvPicPr>
         <p:blipFill>
-          <a:blip r:embed="rId1"/>
+          <a:blip r:embed="rId2"/>
           <a:stretch>
             <a:fillRect/>
           </a:stretch>
@@ -3736,6 +3999,7 @@
         </p:style>
         <p:txBody>
           <a:bodyPr rtlCol="0" anchor="ctr"/>
+          <a:lstStyle/>
           <a:p>
             <a:pPr algn="ctr"/>
             <a:r>
@@ -3746,11 +4010,6 @@
               </a:rPr>
               <a:t>Webpage Title</a:t>
             </a:r>
-            <a:endParaRPr lang="en-US">
-              <a:solidFill>
-                <a:schemeClr val="tx1"/>
-              </a:solidFill>
-            </a:endParaRPr>
           </a:p>
         </p:txBody>
       </p:sp>
@@ -3795,6 +4054,7 @@
         </p:style>
         <p:txBody>
           <a:bodyPr rtlCol="0" anchor="ctr"/>
+          <a:lstStyle/>
           <a:p>
             <a:pPr algn="ctr"/>
             <a:r>
@@ -3805,11 +4065,6 @@
               </a:rPr>
               <a:t>Webpage URL</a:t>
             </a:r>
-            <a:endParaRPr lang="en-US">
-              <a:solidFill>
-                <a:schemeClr val="tx1"/>
-              </a:solidFill>
-            </a:endParaRPr>
           </a:p>
         </p:txBody>
       </p:sp>
@@ -3854,6 +4109,7 @@
         </p:style>
         <p:txBody>
           <a:bodyPr rtlCol="0" anchor="ctr"/>
+          <a:lstStyle/>
           <a:p>
             <a:pPr algn="ctr"/>
             <a:r>
@@ -3864,11 +4120,6 @@
               </a:rPr>
               <a:t>Webpage Body</a:t>
             </a:r>
-            <a:endParaRPr lang="en-US">
-              <a:solidFill>
-                <a:schemeClr val="tx1"/>
-              </a:solidFill>
-            </a:endParaRPr>
           </a:p>
           <a:p>
             <a:pPr algn="ctr"/>
@@ -3880,11 +4131,6 @@
               </a:rPr>
               <a:t>(aka webpage document)</a:t>
             </a:r>
-            <a:endParaRPr lang="en-US">
-              <a:solidFill>
-                <a:schemeClr val="tx1"/>
-              </a:solidFill>
-            </a:endParaRPr>
           </a:p>
         </p:txBody>
       </p:sp>
@@ -3905,7 +4151,14 @@
         <p:cNvGrpSpPr/>
         <p:nvPr/>
       </p:nvGrpSpPr>
-      <p:grpSpPr/>
+      <p:grpSpPr>
+        <a:xfrm>
+          <a:off x="0" y="0"/>
+          <a:ext cx="0" cy="0"/>
+          <a:chOff x="0" y="0"/>
+          <a:chExt cx="0" cy="0"/>
+        </a:xfrm>
+      </p:grpSpPr>
       <p:sp>
         <p:nvSpPr>
           <p:cNvPr id="4" name="Title 3"/>
@@ -3919,12 +4172,12 @@
         <p:spPr/>
         <p:txBody>
           <a:bodyPr/>
+          <a:lstStyle/>
           <a:p>
             <a:r>
               <a:rPr lang="en-US"/>
               <a:t>Anatomy of a Web Browser</a:t>
             </a:r>
-            <a:endParaRPr lang="en-US"/>
           </a:p>
         </p:txBody>
       </p:sp>
@@ -3937,7 +4190,7 @@
           <p:nvPr/>
         </p:nvPicPr>
         <p:blipFill>
-          <a:blip r:embed="rId1"/>
+          <a:blip r:embed="rId2"/>
           <a:stretch>
             <a:fillRect/>
           </a:stretch>
@@ -3998,6 +4251,7 @@
         </p:style>
         <p:txBody>
           <a:bodyPr rtlCol="0" anchor="ctr"/>
+          <a:lstStyle/>
           <a:p>
             <a:pPr algn="ctr"/>
             <a:r>
@@ -4008,11 +4262,6 @@
               </a:rPr>
               <a:t>Webpage Title</a:t>
             </a:r>
-            <a:endParaRPr lang="en-US">
-              <a:solidFill>
-                <a:schemeClr val="tx1"/>
-              </a:solidFill>
-            </a:endParaRPr>
           </a:p>
         </p:txBody>
       </p:sp>
@@ -4057,6 +4306,7 @@
         </p:style>
         <p:txBody>
           <a:bodyPr rtlCol="0" anchor="ctr"/>
+          <a:lstStyle/>
           <a:p>
             <a:pPr algn="ctr"/>
             <a:r>
@@ -4067,11 +4317,6 @@
               </a:rPr>
               <a:t>Webpage URL</a:t>
             </a:r>
-            <a:endParaRPr lang="en-US">
-              <a:solidFill>
-                <a:schemeClr val="tx1"/>
-              </a:solidFill>
-            </a:endParaRPr>
           </a:p>
         </p:txBody>
       </p:sp>
@@ -4116,6 +4361,7 @@
         </p:style>
         <p:txBody>
           <a:bodyPr rtlCol="0" anchor="ctr"/>
+          <a:lstStyle/>
           <a:p>
             <a:pPr algn="ctr"/>
             <a:r>
@@ -4126,11 +4372,6 @@
               </a:rPr>
               <a:t>Webpage Body</a:t>
             </a:r>
-            <a:endParaRPr lang="en-US">
-              <a:solidFill>
-                <a:schemeClr val="tx1"/>
-              </a:solidFill>
-            </a:endParaRPr>
           </a:p>
           <a:p>
             <a:pPr algn="ctr"/>
@@ -4142,11 +4383,6 @@
               </a:rPr>
               <a:t>(aka webpage document)</a:t>
             </a:r>
-            <a:endParaRPr lang="en-US">
-              <a:solidFill>
-                <a:schemeClr val="tx1"/>
-              </a:solidFill>
-            </a:endParaRPr>
           </a:p>
         </p:txBody>
       </p:sp>
@@ -4170,12 +4406,12 @@
           <a:bodyPr wrap="square" rtlCol="0">
             <a:spAutoFit/>
           </a:bodyPr>
+          <a:lstStyle/>
           <a:p>
             <a:r>
               <a:rPr lang="en-US"/>
               <a:t>Where’s the console??</a:t>
             </a:r>
-            <a:endParaRPr lang="en-US"/>
           </a:p>
         </p:txBody>
       </p:sp>
@@ -4196,7 +4432,14 @@
         <p:cNvGrpSpPr/>
         <p:nvPr/>
       </p:nvGrpSpPr>
-      <p:grpSpPr/>
+      <p:grpSpPr>
+        <a:xfrm>
+          <a:off x="0" y="0"/>
+          <a:ext cx="0" cy="0"/>
+          <a:chOff x="0" y="0"/>
+          <a:chExt cx="0" cy="0"/>
+        </a:xfrm>
+      </p:grpSpPr>
       <p:sp>
         <p:nvSpPr>
           <p:cNvPr id="4" name="Title 3"/>
@@ -4210,12 +4453,12 @@
         <p:spPr/>
         <p:txBody>
           <a:bodyPr/>
+          <a:lstStyle/>
           <a:p>
             <a:r>
               <a:rPr lang="en-US"/>
               <a:t>Anatomy of a Web Browser</a:t>
             </a:r>
-            <a:endParaRPr lang="en-US"/>
           </a:p>
         </p:txBody>
       </p:sp>
@@ -4228,7 +4471,7 @@
           <p:nvPr/>
         </p:nvPicPr>
         <p:blipFill>
-          <a:blip r:embed="rId1"/>
+          <a:blip r:embed="rId2"/>
           <a:stretch>
             <a:fillRect/>
           </a:stretch>
@@ -4289,6 +4532,7 @@
         </p:style>
         <p:txBody>
           <a:bodyPr rtlCol="0" anchor="ctr"/>
+          <a:lstStyle/>
           <a:p>
             <a:pPr algn="ctr"/>
             <a:r>
@@ -4299,11 +4543,6 @@
               </a:rPr>
               <a:t>Webpage Title</a:t>
             </a:r>
-            <a:endParaRPr lang="en-US">
-              <a:solidFill>
-                <a:schemeClr val="tx1"/>
-              </a:solidFill>
-            </a:endParaRPr>
           </a:p>
         </p:txBody>
       </p:sp>
@@ -4348,6 +4587,7 @@
         </p:style>
         <p:txBody>
           <a:bodyPr rtlCol="0" anchor="ctr"/>
+          <a:lstStyle/>
           <a:p>
             <a:pPr algn="ctr"/>
             <a:r>
@@ -4358,11 +4598,6 @@
               </a:rPr>
               <a:t>Webpage URL</a:t>
             </a:r>
-            <a:endParaRPr lang="en-US">
-              <a:solidFill>
-                <a:schemeClr val="tx1"/>
-              </a:solidFill>
-            </a:endParaRPr>
           </a:p>
         </p:txBody>
       </p:sp>
@@ -4407,6 +4642,7 @@
         </p:style>
         <p:txBody>
           <a:bodyPr rtlCol="0" anchor="ctr"/>
+          <a:lstStyle/>
           <a:p>
             <a:pPr algn="ctr"/>
             <a:r>
@@ -4417,11 +4653,6 @@
               </a:rPr>
               <a:t>Webpage Body</a:t>
             </a:r>
-            <a:endParaRPr lang="en-US">
-              <a:solidFill>
-                <a:schemeClr val="tx1"/>
-              </a:solidFill>
-            </a:endParaRPr>
           </a:p>
           <a:p>
             <a:pPr algn="ctr"/>
@@ -4433,11 +4664,6 @@
               </a:rPr>
               <a:t>(aka webpage document)</a:t>
             </a:r>
-            <a:endParaRPr lang="en-US">
-              <a:solidFill>
-                <a:schemeClr val="tx1"/>
-              </a:solidFill>
-            </a:endParaRPr>
           </a:p>
         </p:txBody>
       </p:sp>
@@ -4450,7 +4676,7 @@
         <p:spPr>
           <a:xfrm>
             <a:off x="8940800" y="3980815"/>
-            <a:ext cx="3065780" cy="1198880"/>
+            <a:ext cx="3065780" cy="1477328"/>
           </a:xfrm>
           <a:prstGeom prst="rect">
             <a:avLst/>
@@ -4461,20 +4687,27 @@
           <a:bodyPr wrap="square" rtlCol="0">
             <a:spAutoFit/>
           </a:bodyPr>
-          <a:p>
-            <a:r>
-              <a:rPr lang="en-US"/>
+          <a:lstStyle/>
+          <a:p>
+            <a:r>
+              <a:rPr lang="en-US" dirty="0"/>
               <a:t>Where’s the console??</a:t>
             </a:r>
-            <a:endParaRPr lang="en-US"/>
           </a:p>
           <a:p>
             <a:pPr indent="457200"/>
             <a:r>
-              <a:rPr lang="en-US"/>
-              <a:t>- The console is hidden by default but is viewable by hitting the F12 button.</a:t>
-            </a:r>
-            <a:endParaRPr lang="en-US"/>
+              <a:rPr lang="en-US" dirty="0"/>
+              <a:t>- The console is hidden by default but is viewable by hitting the F12 button, or CTRL + SHIFT + I (</a:t>
+            </a:r>
+            <a:r>
+              <a:rPr lang="en-US" dirty="0" err="1"/>
+              <a:t>i</a:t>
+            </a:r>
+            <a:r>
+              <a:rPr lang="en-US" dirty="0"/>
+              <a:t>).</a:t>
+            </a:r>
           </a:p>
         </p:txBody>
       </p:sp>
@@ -4495,7 +4728,14 @@
         <p:cNvGrpSpPr/>
         <p:nvPr/>
       </p:nvGrpSpPr>
-      <p:grpSpPr/>
+      <p:grpSpPr>
+        <a:xfrm>
+          <a:off x="0" y="0"/>
+          <a:ext cx="0" cy="0"/>
+          <a:chOff x="0" y="0"/>
+          <a:chExt cx="0" cy="0"/>
+        </a:xfrm>
+      </p:grpSpPr>
       <p:sp>
         <p:nvSpPr>
           <p:cNvPr id="4" name="Title 3"/>
@@ -4509,12 +4749,12 @@
         <p:spPr/>
         <p:txBody>
           <a:bodyPr/>
+          <a:lstStyle/>
           <a:p>
             <a:r>
               <a:rPr lang="en-US"/>
               <a:t>Anatomy of a Web Browser</a:t>
             </a:r>
-            <a:endParaRPr lang="en-US"/>
           </a:p>
         </p:txBody>
       </p:sp>
@@ -4527,7 +4767,7 @@
           <p:nvPr/>
         </p:nvPicPr>
         <p:blipFill>
-          <a:blip r:embed="rId1"/>
+          <a:blip r:embed="rId2"/>
           <a:stretch>
             <a:fillRect/>
           </a:stretch>
@@ -4588,6 +4828,7 @@
         </p:style>
         <p:txBody>
           <a:bodyPr rtlCol="0" anchor="ctr"/>
+          <a:lstStyle/>
           <a:p>
             <a:pPr algn="ctr"/>
             <a:r>
@@ -4598,11 +4839,6 @@
               </a:rPr>
               <a:t>Webpage Title</a:t>
             </a:r>
-            <a:endParaRPr lang="en-US">
-              <a:solidFill>
-                <a:schemeClr val="tx1"/>
-              </a:solidFill>
-            </a:endParaRPr>
           </a:p>
         </p:txBody>
       </p:sp>
@@ -4647,6 +4883,7 @@
         </p:style>
         <p:txBody>
           <a:bodyPr rtlCol="0" anchor="ctr"/>
+          <a:lstStyle/>
           <a:p>
             <a:pPr algn="ctr"/>
             <a:r>
@@ -4657,11 +4894,6 @@
               </a:rPr>
               <a:t>Webpage URL</a:t>
             </a:r>
-            <a:endParaRPr lang="en-US">
-              <a:solidFill>
-                <a:schemeClr val="tx1"/>
-              </a:solidFill>
-            </a:endParaRPr>
           </a:p>
         </p:txBody>
       </p:sp>
@@ -4706,6 +4938,7 @@
         </p:style>
         <p:txBody>
           <a:bodyPr rtlCol="0" anchor="ctr"/>
+          <a:lstStyle/>
           <a:p>
             <a:pPr algn="ctr"/>
             <a:r>
@@ -4716,11 +4949,6 @@
               </a:rPr>
               <a:t>Webpage Body</a:t>
             </a:r>
-            <a:endParaRPr lang="en-US">
-              <a:solidFill>
-                <a:schemeClr val="tx1"/>
-              </a:solidFill>
-            </a:endParaRPr>
           </a:p>
           <a:p>
             <a:pPr algn="ctr"/>
@@ -4732,11 +4960,6 @@
               </a:rPr>
               <a:t>(aka webpage document)</a:t>
             </a:r>
-            <a:endParaRPr lang="en-US">
-              <a:solidFill>
-                <a:schemeClr val="tx1"/>
-              </a:solidFill>
-            </a:endParaRPr>
           </a:p>
         </p:txBody>
       </p:sp>
@@ -4781,6 +5004,7 @@
         </p:style>
         <p:txBody>
           <a:bodyPr rtlCol="0" anchor="ctr"/>
+          <a:lstStyle/>
           <a:p>
             <a:pPr algn="ctr"/>
             <a:r>
@@ -4791,11 +5015,6 @@
               </a:rPr>
               <a:t>Webpage Console</a:t>
             </a:r>
-            <a:endParaRPr lang="en-US">
-              <a:solidFill>
-                <a:schemeClr val="tx1"/>
-              </a:solidFill>
-            </a:endParaRPr>
           </a:p>
         </p:txBody>
       </p:sp>
@@ -4816,7 +5035,14 @@
         <p:cNvGrpSpPr/>
         <p:nvPr/>
       </p:nvGrpSpPr>
-      <p:grpSpPr/>
+      <p:grpSpPr>
+        <a:xfrm>
+          <a:off x="0" y="0"/>
+          <a:ext cx="0" cy="0"/>
+          <a:chOff x="0" y="0"/>
+          <a:chExt cx="0" cy="0"/>
+        </a:xfrm>
+      </p:grpSpPr>
       <p:sp>
         <p:nvSpPr>
           <p:cNvPr id="4" name="Title 3"/>
@@ -4830,12 +5056,12 @@
         <p:spPr/>
         <p:txBody>
           <a:bodyPr/>
+          <a:lstStyle/>
           <a:p>
             <a:r>
               <a:rPr lang="en-US"/>
               <a:t>Writing to the Body (Document)</a:t>
             </a:r>
-            <a:endParaRPr lang="en-US"/>
           </a:p>
         </p:txBody>
       </p:sp>
@@ -4852,12 +5078,12 @@
         <p:spPr/>
         <p:txBody>
           <a:bodyPr/>
+          <a:lstStyle/>
           <a:p>
             <a:r>
               <a:rPr lang="en-US"/>
               <a:t>Writing to the console is good for troubleshooting purposes, but not great when trying to display information to a normal user </a:t>
             </a:r>
-            <a:endParaRPr lang="en-US"/>
           </a:p>
         </p:txBody>
       </p:sp>
@@ -4878,7 +5104,14 @@
         <p:cNvGrpSpPr/>
         <p:nvPr/>
       </p:nvGrpSpPr>
-      <p:grpSpPr/>
+      <p:grpSpPr>
+        <a:xfrm>
+          <a:off x="0" y="0"/>
+          <a:ext cx="0" cy="0"/>
+          <a:chOff x="0" y="0"/>
+          <a:chExt cx="0" cy="0"/>
+        </a:xfrm>
+      </p:grpSpPr>
       <p:sp>
         <p:nvSpPr>
           <p:cNvPr id="4" name="Title 3"/>
@@ -4892,12 +5125,12 @@
         <p:spPr/>
         <p:txBody>
           <a:bodyPr/>
+          <a:lstStyle/>
           <a:p>
             <a:r>
               <a:rPr lang="en-US"/>
               <a:t>Writing to the Body (Document)</a:t>
             </a:r>
-            <a:endParaRPr lang="en-US"/>
           </a:p>
         </p:txBody>
       </p:sp>
@@ -4914,19 +5147,18 @@
         <p:spPr/>
         <p:txBody>
           <a:bodyPr/>
+          <a:lstStyle/>
           <a:p>
             <a:r>
               <a:rPr lang="en-US"/>
               <a:t>Writing to the console is good for troubleshooting purposes, but not great when trying to display information to a normal user </a:t>
             </a:r>
-            <a:endParaRPr lang="en-US"/>
           </a:p>
           <a:p>
             <a:r>
               <a:rPr lang="en-US"/>
               <a:t>Writing to the body of a document is more involved</a:t>
             </a:r>
-            <a:endParaRPr lang="en-US"/>
           </a:p>
         </p:txBody>
       </p:sp>
@@ -4947,7 +5179,14 @@
         <p:cNvGrpSpPr/>
         <p:nvPr/>
       </p:nvGrpSpPr>
-      <p:grpSpPr/>
+      <p:grpSpPr>
+        <a:xfrm>
+          <a:off x="0" y="0"/>
+          <a:ext cx="0" cy="0"/>
+          <a:chOff x="0" y="0"/>
+          <a:chExt cx="0" cy="0"/>
+        </a:xfrm>
+      </p:grpSpPr>
       <p:sp>
         <p:nvSpPr>
           <p:cNvPr id="4" name="Title 3"/>
@@ -4961,12 +5200,12 @@
         <p:spPr/>
         <p:txBody>
           <a:bodyPr/>
+          <a:lstStyle/>
           <a:p>
             <a:r>
               <a:rPr lang="en-US"/>
               <a:t>What is it?	</a:t>
             </a:r>
-            <a:endParaRPr lang="en-US"/>
           </a:p>
         </p:txBody>
       </p:sp>
@@ -4983,12 +5222,12 @@
         <p:spPr/>
         <p:txBody>
           <a:bodyPr/>
+          <a:lstStyle/>
           <a:p>
             <a:r>
               <a:rPr lang="en-US"/>
               <a:t>JavaScript (JS) is a programming language used in a wide range of programs, including both web and game design. </a:t>
             </a:r>
-            <a:endParaRPr lang="en-US"/>
           </a:p>
         </p:txBody>
       </p:sp>
@@ -5009,7 +5248,14 @@
         <p:cNvGrpSpPr/>
         <p:nvPr/>
       </p:nvGrpSpPr>
-      <p:grpSpPr/>
+      <p:grpSpPr>
+        <a:xfrm>
+          <a:off x="0" y="0"/>
+          <a:ext cx="0" cy="0"/>
+          <a:chOff x="0" y="0"/>
+          <a:chExt cx="0" cy="0"/>
+        </a:xfrm>
+      </p:grpSpPr>
       <p:sp>
         <p:nvSpPr>
           <p:cNvPr id="4" name="Title 3"/>
@@ -5023,12 +5269,12 @@
         <p:spPr/>
         <p:txBody>
           <a:bodyPr/>
+          <a:lstStyle/>
           <a:p>
             <a:r>
               <a:rPr lang="en-US"/>
               <a:t>Writing to the Body (Document)</a:t>
             </a:r>
-            <a:endParaRPr lang="en-US"/>
           </a:p>
         </p:txBody>
       </p:sp>
@@ -5045,50 +5291,45 @@
         <p:spPr/>
         <p:txBody>
           <a:bodyPr/>
-          <a:p>
-            <a:r>
-              <a:rPr lang="en-US"/>
+          <a:lstStyle/>
+          <a:p>
+            <a:r>
+              <a:rPr lang="en-US" dirty="0"/>
               <a:t>Writing to the console is good for troubleshooting purposes, but not great when trying to display information to a normal user </a:t>
             </a:r>
-            <a:endParaRPr lang="en-US"/>
-          </a:p>
-          <a:p>
-            <a:r>
-              <a:rPr lang="en-US"/>
+          </a:p>
+          <a:p>
+            <a:r>
+              <a:rPr lang="en-US" dirty="0"/>
               <a:t>Writing to the body of a document is more involved</a:t>
             </a:r>
-            <a:endParaRPr lang="en-US"/>
-          </a:p>
-          <a:p>
-            <a:r>
-              <a:rPr lang="en-US"/>
+          </a:p>
+          <a:p>
+            <a:r>
+              <a:rPr lang="en-US" dirty="0"/>
               <a:t>Things needed to write to the body of a document:</a:t>
             </a:r>
-            <a:endParaRPr lang="en-US"/>
           </a:p>
           <a:p>
             <a:pPr lvl="1"/>
             <a:r>
-              <a:rPr lang="en-US"/>
+              <a:rPr lang="en-US" dirty="0"/>
               <a:t>A body</a:t>
             </a:r>
-            <a:endParaRPr lang="en-US"/>
           </a:p>
           <a:p>
             <a:pPr lvl="1"/>
             <a:r>
-              <a:rPr lang="en-US"/>
-              <a:t>Information to write ex. “Hello, World”</a:t>
-            </a:r>
-            <a:endParaRPr lang="en-US"/>
+              <a:rPr lang="en-US" dirty="0"/>
+              <a:t>Information to write (“Hello, World”)</a:t>
+            </a:r>
           </a:p>
           <a:p>
             <a:pPr lvl="1"/>
             <a:r>
-              <a:rPr lang="en-US"/>
-              <a:t>An element ex. p, b, div, etc.</a:t>
-            </a:r>
-            <a:endParaRPr lang="en-US"/>
+              <a:rPr lang="en-US" dirty="0"/>
+              <a:t>An element (p, b, div, etc.) with an id</a:t>
+            </a:r>
           </a:p>
         </p:txBody>
       </p:sp>
@@ -5109,7 +5350,14 @@
         <p:cNvGrpSpPr/>
         <p:nvPr/>
       </p:nvGrpSpPr>
-      <p:grpSpPr/>
+      <p:grpSpPr>
+        <a:xfrm>
+          <a:off x="0" y="0"/>
+          <a:ext cx="0" cy="0"/>
+          <a:chOff x="0" y="0"/>
+          <a:chExt cx="0" cy="0"/>
+        </a:xfrm>
+      </p:grpSpPr>
       <p:sp>
         <p:nvSpPr>
           <p:cNvPr id="4" name="Title 3"/>
@@ -5123,40 +5371,49 @@
         <p:spPr/>
         <p:txBody>
           <a:bodyPr/>
+          <a:lstStyle/>
           <a:p>
             <a:r>
               <a:rPr lang="en-US"/>
               <a:t>Writing to the Body (Document)</a:t>
             </a:r>
+          </a:p>
+        </p:txBody>
+      </p:sp>
+      <p:sp>
+        <p:nvSpPr>
+          <p:cNvPr id="5" name="Content Placeholder 4"/>
+          <p:cNvSpPr>
+            <a:spLocks noGrp="1"/>
+          </p:cNvSpPr>
+          <p:nvPr>
+            <p:ph idx="1"/>
+          </p:nvPr>
+        </p:nvSpPr>
+        <p:spPr/>
+        <p:txBody>
+          <a:bodyPr/>
+          <a:lstStyle/>
+          <a:p>
+            <a:r>
+              <a:rPr lang="en-US"/>
+              <a:t>Example: Set the contents of a paragraph with an id of “writehere” to “Hello, World!”</a:t>
+            </a:r>
+          </a:p>
+          <a:p>
+            <a:pPr marL="0" indent="0">
+              <a:buNone/>
+            </a:pPr>
             <a:endParaRPr lang="en-US"/>
           </a:p>
-        </p:txBody>
-      </p:sp>
-      <p:sp>
-        <p:nvSpPr>
-          <p:cNvPr id="5" name="Content Placeholder 4"/>
-          <p:cNvSpPr>
-            <a:spLocks noGrp="1"/>
-          </p:cNvSpPr>
-          <p:nvPr>
-            <p:ph idx="1"/>
-          </p:nvPr>
-        </p:nvSpPr>
-        <p:spPr/>
-        <p:txBody>
-          <a:bodyPr/>
-          <a:p>
-            <a:r>
-              <a:rPr lang="en-US"/>
-              <a:t>Example: Set the contents of a paragraph with an id of “writehere” to “Hello, World!”</a:t>
-            </a:r>
-            <a:endParaRPr lang="en-US"/>
-          </a:p>
           <a:p>
             <a:pPr marL="0" indent="0">
               <a:buNone/>
             </a:pPr>
-            <a:endParaRPr lang="en-US"/>
+            <a:r>
+              <a:rPr lang="en-US"/>
+              <a:t>&lt;p id=”writehere”&gt;&lt;/p&gt;</a:t>
+            </a:r>
           </a:p>
           <a:p>
             <a:pPr marL="0" indent="0">
@@ -5164,9 +5421,26 @@
             </a:pPr>
             <a:r>
               <a:rPr lang="en-US"/>
-              <a:t>&lt;p id=”writehere”&gt;&lt;/p&gt;</a:t>
-            </a:r>
-            <a:endParaRPr lang="en-US"/>
+              <a:t>&lt;script&gt;</a:t>
+            </a:r>
+          </a:p>
+          <a:p>
+            <a:pPr marL="0" indent="457200">
+              <a:buNone/>
+            </a:pPr>
+            <a:r>
+              <a:rPr lang="en-US"/>
+              <a:t>let pText = document.getElementById(“writehere”);</a:t>
+            </a:r>
+          </a:p>
+          <a:p>
+            <a:pPr marL="0" indent="457200">
+              <a:buNone/>
+            </a:pPr>
+            <a:r>
+              <a:rPr lang="en-US"/>
+              <a:t>pText.innerHTML = “Hello, World!”</a:t>
+            </a:r>
           </a:p>
           <a:p>
             <a:pPr marL="0" indent="0">
@@ -5174,39 +5448,8 @@
             </a:pPr>
             <a:r>
               <a:rPr lang="en-US"/>
-              <a:t>&lt;script&gt;</a:t>
-            </a:r>
-            <a:endParaRPr lang="en-US"/>
-          </a:p>
-          <a:p>
-            <a:pPr marL="0" indent="457200">
-              <a:buNone/>
-            </a:pPr>
-            <a:r>
-              <a:rPr lang="en-US"/>
-              <a:t>let pText = document.getElementById(“writehere”);</a:t>
-            </a:r>
-            <a:endParaRPr lang="en-US"/>
-          </a:p>
-          <a:p>
-            <a:pPr marL="0" indent="457200">
-              <a:buNone/>
-            </a:pPr>
-            <a:r>
-              <a:rPr lang="en-US"/>
-              <a:t>pText.innerHTML = “Hello, World!”</a:t>
-            </a:r>
-            <a:endParaRPr lang="en-US"/>
-          </a:p>
-          <a:p>
-            <a:pPr marL="0" indent="0">
-              <a:buNone/>
-            </a:pPr>
-            <a:r>
-              <a:rPr lang="en-US"/>
               <a:t>&lt;/script&gt;</a:t>
             </a:r>
-            <a:endParaRPr lang="en-US"/>
           </a:p>
         </p:txBody>
       </p:sp>
@@ -5227,7 +5470,14 @@
         <p:cNvGrpSpPr/>
         <p:nvPr/>
       </p:nvGrpSpPr>
-      <p:grpSpPr/>
+      <p:grpSpPr>
+        <a:xfrm>
+          <a:off x="0" y="0"/>
+          <a:ext cx="0" cy="0"/>
+          <a:chOff x="0" y="0"/>
+          <a:chExt cx="0" cy="0"/>
+        </a:xfrm>
+      </p:grpSpPr>
       <p:sp>
         <p:nvSpPr>
           <p:cNvPr id="4" name="Title 3"/>
@@ -5241,12 +5491,12 @@
         <p:spPr/>
         <p:txBody>
           <a:bodyPr/>
+          <a:lstStyle/>
           <a:p>
             <a:r>
               <a:rPr lang="en-US"/>
               <a:t>Writing to the Body (Document)</a:t>
             </a:r>
-            <a:endParaRPr lang="en-US"/>
           </a:p>
         </p:txBody>
       </p:sp>
@@ -5268,12 +5518,12 @@
         </p:spPr>
         <p:txBody>
           <a:bodyPr/>
+          <a:lstStyle/>
           <a:p>
             <a:r>
               <a:rPr lang="en-US"/>
               <a:t>Algorithm to write to the body of a document:</a:t>
             </a:r>
-            <a:endParaRPr lang="en-US"/>
           </a:p>
           <a:p>
             <a:pPr marL="914400" lvl="1" indent="-457200">
@@ -5283,7 +5533,6 @@
               <a:rPr lang="en-US"/>
               <a:t>Create an element with a specific id</a:t>
             </a:r>
-            <a:endParaRPr lang="en-US"/>
           </a:p>
           <a:p>
             <a:pPr marL="914400" lvl="1" indent="-457200">
@@ -5293,7 +5542,6 @@
               <a:rPr lang="en-US"/>
               <a:t>Create a new JS script </a:t>
             </a:r>
-            <a:endParaRPr lang="en-US"/>
           </a:p>
           <a:p>
             <a:pPr marL="914400" lvl="1" indent="-457200">
@@ -5315,7 +5563,6 @@
               <a:rPr lang="en-US"/>
               <a:t>Set the innerHTML property of the element to the text to write to the page</a:t>
             </a:r>
-            <a:endParaRPr lang="en-US"/>
           </a:p>
         </p:txBody>
       </p:sp>
@@ -5336,7 +5583,14 @@
         <p:cNvGrpSpPr/>
         <p:nvPr/>
       </p:nvGrpSpPr>
-      <p:grpSpPr/>
+      <p:grpSpPr>
+        <a:xfrm>
+          <a:off x="0" y="0"/>
+          <a:ext cx="0" cy="0"/>
+          <a:chOff x="0" y="0"/>
+          <a:chExt cx="0" cy="0"/>
+        </a:xfrm>
+      </p:grpSpPr>
       <p:sp>
         <p:nvSpPr>
           <p:cNvPr id="4" name="Title 3"/>
@@ -5350,12 +5604,12 @@
         <p:spPr/>
         <p:txBody>
           <a:bodyPr/>
+          <a:lstStyle/>
           <a:p>
             <a:r>
               <a:rPr lang="en-US"/>
               <a:t>Writing to the Body (Document)</a:t>
             </a:r>
-            <a:endParaRPr lang="en-US"/>
           </a:p>
         </p:txBody>
       </p:sp>
@@ -5377,12 +5631,12 @@
         </p:spPr>
         <p:txBody>
           <a:bodyPr/>
+          <a:lstStyle/>
           <a:p>
             <a:r>
               <a:rPr lang="en-US"/>
               <a:t>Example: Set the contents of a paragraph with an id of “writehere” to “Hello, World!”</a:t>
             </a:r>
-            <a:endParaRPr lang="en-US"/>
           </a:p>
         </p:txBody>
       </p:sp>
@@ -5576,7 +5830,6 @@
               <a:rPr lang="en-US"/>
               <a:t>Algorithm to write to the body of a document:</a:t>
             </a:r>
-            <a:endParaRPr lang="en-US"/>
           </a:p>
           <a:p>
             <a:pPr marL="914400" lvl="1" indent="-457200">
@@ -5586,7 +5839,6 @@
               <a:rPr lang="en-US"/>
               <a:t>Create an element with a specific id</a:t>
             </a:r>
-            <a:endParaRPr lang="en-US"/>
           </a:p>
           <a:p>
             <a:pPr marL="914400" lvl="1" indent="-457200">
@@ -5620,7 +5872,6 @@
               <a:rPr lang="en-US"/>
               <a:t>Set the innerHTML property of the element to the text to write to the page</a:t>
             </a:r>
-            <a:endParaRPr lang="en-US"/>
           </a:p>
         </p:txBody>
       </p:sp>
@@ -5641,7 +5892,14 @@
         <p:cNvGrpSpPr/>
         <p:nvPr/>
       </p:nvGrpSpPr>
-      <p:grpSpPr/>
+      <p:grpSpPr>
+        <a:xfrm>
+          <a:off x="0" y="0"/>
+          <a:ext cx="0" cy="0"/>
+          <a:chOff x="0" y="0"/>
+          <a:chExt cx="0" cy="0"/>
+        </a:xfrm>
+      </p:grpSpPr>
       <p:sp>
         <p:nvSpPr>
           <p:cNvPr id="4" name="Title 3"/>
@@ -5655,12 +5913,12 @@
         <p:spPr/>
         <p:txBody>
           <a:bodyPr/>
+          <a:lstStyle/>
           <a:p>
             <a:r>
               <a:rPr lang="en-US"/>
               <a:t>Writing to the Body (Document)</a:t>
             </a:r>
-            <a:endParaRPr lang="en-US"/>
           </a:p>
         </p:txBody>
       </p:sp>
@@ -5682,16 +5940,12 @@
         </p:spPr>
         <p:txBody>
           <a:bodyPr/>
-          <a:p>
-            <a:r>
-              <a:rPr lang="en-US"/>
-              <a:t>Example: Set the contents of a </a:t>
-            </a:r>
-            <a:r>
-              <a:rPr lang="en-US"/>
-              <a:t>paragraph with an id of “writehere” to “Hello, World!”</a:t>
-            </a:r>
-            <a:endParaRPr lang="en-US"/>
+          <a:lstStyle/>
+          <a:p>
+            <a:r>
+              <a:rPr lang="en-US"/>
+              <a:t>Example: Set the contents of a paragraph with an id of “writehere” to “Hello, World!”</a:t>
+            </a:r>
           </a:p>
           <a:p>
             <a:endParaRPr lang="en-US"/>
@@ -5704,7 +5958,6 @@
               <a:rPr lang="en-US" b="1"/>
               <a:t>&lt;p id=”writehere”&gt;&lt;/p&gt;</a:t>
             </a:r>
-            <a:endParaRPr lang="en-US" b="1"/>
           </a:p>
         </p:txBody>
       </p:sp>
@@ -5898,7 +6151,6 @@
               <a:rPr lang="en-US"/>
               <a:t>Algorithm to write to the body of a document:</a:t>
             </a:r>
-            <a:endParaRPr lang="en-US"/>
           </a:p>
           <a:p>
             <a:pPr marL="914400" lvl="1" indent="-457200">
@@ -5942,7 +6194,6 @@
               <a:rPr lang="en-US"/>
               <a:t>Set the innerHTML property of the element to the text to write to the page</a:t>
             </a:r>
-            <a:endParaRPr lang="en-US"/>
           </a:p>
         </p:txBody>
       </p:sp>
@@ -5963,7 +6214,14 @@
         <p:cNvGrpSpPr/>
         <p:nvPr/>
       </p:nvGrpSpPr>
-      <p:grpSpPr/>
+      <p:grpSpPr>
+        <a:xfrm>
+          <a:off x="0" y="0"/>
+          <a:ext cx="0" cy="0"/>
+          <a:chOff x="0" y="0"/>
+          <a:chExt cx="0" cy="0"/>
+        </a:xfrm>
+      </p:grpSpPr>
       <p:sp>
         <p:nvSpPr>
           <p:cNvPr id="4" name="Title 3"/>
@@ -5977,12 +6235,12 @@
         <p:spPr/>
         <p:txBody>
           <a:bodyPr/>
+          <a:lstStyle/>
           <a:p>
             <a:r>
               <a:rPr lang="en-US"/>
               <a:t>Writing to the Body (Document)</a:t>
             </a:r>
-            <a:endParaRPr lang="en-US"/>
           </a:p>
         </p:txBody>
       </p:sp>
@@ -6004,6 +6262,7 @@
         </p:spPr>
         <p:txBody>
           <a:bodyPr/>
+          <a:lstStyle/>
           <a:p>
             <a:r>
               <a:rPr lang="en-US"/>
@@ -6017,7 +6276,6 @@
               <a:rPr lang="en-US"/>
               <a:t>with an id of “writehere” to “Hello, World!”</a:t>
             </a:r>
-            <a:endParaRPr lang="en-US"/>
           </a:p>
           <a:p>
             <a:endParaRPr lang="en-US"/>
@@ -6038,7 +6296,6 @@
               <a:rPr lang="en-US" b="1"/>
               <a:t>&gt;&lt;/p&gt;</a:t>
             </a:r>
-            <a:endParaRPr lang="en-US" b="1"/>
           </a:p>
         </p:txBody>
       </p:sp>
@@ -6232,7 +6489,6 @@
               <a:rPr lang="en-US"/>
               <a:t>Algorithm to write to the body of a document:</a:t>
             </a:r>
-            <a:endParaRPr lang="en-US"/>
           </a:p>
           <a:p>
             <a:pPr marL="914400" lvl="1" indent="-457200">
@@ -6276,7 +6532,6 @@
               <a:rPr lang="en-US"/>
               <a:t>Set the innerHTML property of the element to the text to write to the page</a:t>
             </a:r>
-            <a:endParaRPr lang="en-US"/>
           </a:p>
         </p:txBody>
       </p:sp>
@@ -6297,7 +6552,14 @@
         <p:cNvGrpSpPr/>
         <p:nvPr/>
       </p:nvGrpSpPr>
-      <p:grpSpPr/>
+      <p:grpSpPr>
+        <a:xfrm>
+          <a:off x="0" y="0"/>
+          <a:ext cx="0" cy="0"/>
+          <a:chOff x="0" y="0"/>
+          <a:chExt cx="0" cy="0"/>
+        </a:xfrm>
+      </p:grpSpPr>
       <p:sp>
         <p:nvSpPr>
           <p:cNvPr id="4" name="Title 3"/>
@@ -6311,12 +6573,12 @@
         <p:spPr/>
         <p:txBody>
           <a:bodyPr/>
+          <a:lstStyle/>
           <a:p>
             <a:r>
               <a:rPr lang="en-US"/>
               <a:t>Writing to the Body (Document)</a:t>
             </a:r>
-            <a:endParaRPr lang="en-US"/>
           </a:p>
         </p:txBody>
       </p:sp>
@@ -6338,6 +6600,7 @@
         </p:spPr>
         <p:txBody>
           <a:bodyPr/>
+          <a:lstStyle/>
           <a:p>
             <a:r>
               <a:rPr lang="en-US"/>
@@ -6351,7 +6614,6 @@
               <a:rPr lang="en-US"/>
               <a:t>of “writehere” to “Hello, World!”</a:t>
             </a:r>
-            <a:endParaRPr lang="en-US"/>
           </a:p>
           <a:p>
             <a:endParaRPr lang="en-US"/>
@@ -6370,13 +6632,8 @@
             </a:r>
             <a:r>
               <a:rPr lang="en-US"/>
-              <a:t>”writehere”</a:t>
-            </a:r>
-            <a:r>
-              <a:rPr lang="en-US"/>
-              <a:t>&gt;&lt;/p&gt;</a:t>
-            </a:r>
-            <a:endParaRPr lang="en-US"/>
+              <a:t>”writehere”&gt;&lt;/p&gt;</a:t>
+            </a:r>
           </a:p>
         </p:txBody>
       </p:sp>
@@ -6570,7 +6827,6 @@
               <a:rPr lang="en-US"/>
               <a:t>Algorithm to write to the body of a document:</a:t>
             </a:r>
-            <a:endParaRPr lang="en-US"/>
           </a:p>
           <a:p>
             <a:pPr marL="914400" lvl="1" indent="-457200">
@@ -6614,7 +6870,6 @@
               <a:rPr lang="en-US"/>
               <a:t>Set the innerHTML property of the element to the text to write to the page</a:t>
             </a:r>
-            <a:endParaRPr lang="en-US"/>
           </a:p>
         </p:txBody>
       </p:sp>
@@ -6635,7 +6890,14 @@
         <p:cNvGrpSpPr/>
         <p:nvPr/>
       </p:nvGrpSpPr>
-      <p:grpSpPr/>
+      <p:grpSpPr>
+        <a:xfrm>
+          <a:off x="0" y="0"/>
+          <a:ext cx="0" cy="0"/>
+          <a:chOff x="0" y="0"/>
+          <a:chExt cx="0" cy="0"/>
+        </a:xfrm>
+      </p:grpSpPr>
       <p:sp>
         <p:nvSpPr>
           <p:cNvPr id="4" name="Title 3"/>
@@ -6649,12 +6911,12 @@
         <p:spPr/>
         <p:txBody>
           <a:bodyPr/>
+          <a:lstStyle/>
           <a:p>
             <a:r>
               <a:rPr lang="en-US"/>
               <a:t>Writing to the Body (Document)</a:t>
             </a:r>
-            <a:endParaRPr lang="en-US"/>
           </a:p>
         </p:txBody>
       </p:sp>
@@ -6676,6 +6938,7 @@
         </p:spPr>
         <p:txBody>
           <a:bodyPr/>
+          <a:lstStyle/>
           <a:p>
             <a:r>
               <a:rPr lang="en-US"/>
@@ -6691,17 +6954,12 @@
             </a:r>
             <a:r>
               <a:rPr lang="en-US" b="1"/>
-              <a:t>“</a:t>
-            </a:r>
-            <a:r>
-              <a:rPr lang="en-US" b="1"/>
-              <a:t>writehere”</a:t>
+              <a:t>“writehere”</a:t>
             </a:r>
             <a:r>
               <a:rPr lang="en-US"/>
               <a:t> to “Hello, World!”</a:t>
             </a:r>
-            <a:endParaRPr lang="en-US"/>
           </a:p>
           <a:p>
             <a:endParaRPr lang="en-US"/>
@@ -6724,17 +6982,12 @@
             </a:r>
             <a:r>
               <a:rPr lang="en-US" b="1"/>
-              <a:t>”</a:t>
-            </a:r>
-            <a:r>
-              <a:rPr lang="en-US" b="1"/>
-              <a:t>writehere”</a:t>
+              <a:t>”writehere”</a:t>
             </a:r>
             <a:r>
               <a:rPr lang="en-US"/>
               <a:t>&gt;&lt;/p&gt;</a:t>
             </a:r>
-            <a:endParaRPr lang="en-US"/>
           </a:p>
         </p:txBody>
       </p:sp>
@@ -6928,7 +7181,6 @@
               <a:rPr lang="en-US"/>
               <a:t>Algorithm to write to the body of a document:</a:t>
             </a:r>
-            <a:endParaRPr lang="en-US"/>
           </a:p>
           <a:p>
             <a:pPr marL="914400" lvl="1" indent="-457200">
@@ -6972,7 +7224,6 @@
               <a:rPr lang="en-US"/>
               <a:t>Set the innerHTML property of the element to the text to write to the page</a:t>
             </a:r>
-            <a:endParaRPr lang="en-US"/>
           </a:p>
         </p:txBody>
       </p:sp>
@@ -6993,7 +7244,14 @@
         <p:cNvGrpSpPr/>
         <p:nvPr/>
       </p:nvGrpSpPr>
-      <p:grpSpPr/>
+      <p:grpSpPr>
+        <a:xfrm>
+          <a:off x="0" y="0"/>
+          <a:ext cx="0" cy="0"/>
+          <a:chOff x="0" y="0"/>
+          <a:chExt cx="0" cy="0"/>
+        </a:xfrm>
+      </p:grpSpPr>
       <p:sp>
         <p:nvSpPr>
           <p:cNvPr id="4" name="Title 3"/>
@@ -7007,12 +7265,12 @@
         <p:spPr/>
         <p:txBody>
           <a:bodyPr/>
+          <a:lstStyle/>
           <a:p>
             <a:r>
               <a:rPr lang="en-US"/>
               <a:t>Writing to the Body (Document)</a:t>
             </a:r>
-            <a:endParaRPr lang="en-US"/>
           </a:p>
         </p:txBody>
       </p:sp>
@@ -7034,6 +7292,7 @@
         </p:spPr>
         <p:txBody>
           <a:bodyPr/>
+          <a:lstStyle/>
           <a:p>
             <a:r>
               <a:rPr lang="en-US"/>
@@ -7045,13 +7304,8 @@
             </a:r>
             <a:r>
               <a:rPr lang="en-US"/>
-              <a:t>of “</a:t>
-            </a:r>
-            <a:r>
-              <a:rPr lang="en-US"/>
-              <a:t>writehere” to “Hello, World!”</a:t>
-            </a:r>
-            <a:endParaRPr lang="en-US"/>
+              <a:t>of “writehere” to “Hello, World!”</a:t>
+            </a:r>
           </a:p>
           <a:p>
             <a:endParaRPr lang="en-US"/>
@@ -7070,13 +7324,8 @@
             </a:r>
             <a:r>
               <a:rPr lang="en-US"/>
-              <a:t>id=”</a:t>
-            </a:r>
-            <a:r>
-              <a:rPr lang="en-US"/>
-              <a:t>writehere”&gt;&lt;/p&gt;</a:t>
-            </a:r>
-            <a:endParaRPr lang="en-US"/>
+              <a:t>id=”writehere”&gt;&lt;/p&gt;</a:t>
+            </a:r>
           </a:p>
           <a:p>
             <a:pPr marL="0" indent="0">
@@ -7086,7 +7335,6 @@
               <a:rPr lang="en-US" b="1"/>
               <a:t>&lt;script&gt;</a:t>
             </a:r>
-            <a:endParaRPr lang="en-US" b="1"/>
           </a:p>
           <a:p>
             <a:pPr marL="0" indent="0">
@@ -7096,7 +7344,6 @@
               <a:rPr lang="en-US" b="1"/>
               <a:t>&lt;/script&gt;</a:t>
             </a:r>
-            <a:endParaRPr lang="en-US" b="1"/>
           </a:p>
         </p:txBody>
       </p:sp>
@@ -7290,7 +7537,6 @@
               <a:rPr lang="en-US"/>
               <a:t>Algorithm to write to the body of a document:</a:t>
             </a:r>
-            <a:endParaRPr lang="en-US"/>
           </a:p>
           <a:p>
             <a:pPr marL="914400" lvl="1" indent="-457200">
@@ -7300,7 +7546,6 @@
               <a:rPr lang="en-US"/>
               <a:t>Create an element with a specific id</a:t>
             </a:r>
-            <a:endParaRPr lang="en-US"/>
           </a:p>
           <a:p>
             <a:pPr marL="914400" lvl="1" indent="-457200">
@@ -7334,7 +7579,6 @@
               <a:rPr lang="en-US"/>
               <a:t>Set the innerHTML property of the element to the text to write to the page</a:t>
             </a:r>
-            <a:endParaRPr lang="en-US"/>
           </a:p>
         </p:txBody>
       </p:sp>
@@ -7355,7 +7599,14 @@
         <p:cNvGrpSpPr/>
         <p:nvPr/>
       </p:nvGrpSpPr>
-      <p:grpSpPr/>
+      <p:grpSpPr>
+        <a:xfrm>
+          <a:off x="0" y="0"/>
+          <a:ext cx="0" cy="0"/>
+          <a:chOff x="0" y="0"/>
+          <a:chExt cx="0" cy="0"/>
+        </a:xfrm>
+      </p:grpSpPr>
       <p:sp>
         <p:nvSpPr>
           <p:cNvPr id="4" name="Title 3"/>
@@ -7369,12 +7620,12 @@
         <p:spPr/>
         <p:txBody>
           <a:bodyPr/>
+          <a:lstStyle/>
           <a:p>
             <a:r>
               <a:rPr lang="en-US"/>
               <a:t>Writing to the Body (Document)</a:t>
             </a:r>
-            <a:endParaRPr lang="en-US"/>
           </a:p>
         </p:txBody>
       </p:sp>
@@ -7396,8 +7647,9 @@
         </p:spPr>
         <p:txBody>
           <a:bodyPr>
-            <a:normAutofit lnSpcReduction="10000"/>
+            <a:normAutofit/>
           </a:bodyPr>
+          <a:lstStyle/>
           <a:p>
             <a:r>
               <a:rPr lang="en-US"/>
@@ -7409,13 +7661,8 @@
             </a:r>
             <a:r>
               <a:rPr lang="en-US"/>
-              <a:t>of “</a:t>
-            </a:r>
-            <a:r>
-              <a:rPr lang="en-US"/>
-              <a:t>writehere” to “Hello, World!”</a:t>
-            </a:r>
-            <a:endParaRPr lang="en-US"/>
+              <a:t>of “writehere” to “Hello, World!”</a:t>
+            </a:r>
           </a:p>
           <a:p>
             <a:endParaRPr lang="en-US"/>
@@ -7434,13 +7681,8 @@
             </a:r>
             <a:r>
               <a:rPr lang="en-US"/>
-              <a:t>id=”</a:t>
-            </a:r>
-            <a:r>
-              <a:rPr lang="en-US"/>
-              <a:t>writehere”&gt;&lt;/p&gt;</a:t>
-            </a:r>
-            <a:endParaRPr lang="en-US"/>
+              <a:t>id=”writehere”&gt;&lt;/p&gt;</a:t>
+            </a:r>
           </a:p>
           <a:p>
             <a:pPr marL="0" indent="0">
@@ -7450,7 +7692,6 @@
               <a:rPr lang="en-US"/>
               <a:t>&lt;script&gt;</a:t>
             </a:r>
-            <a:endParaRPr lang="en-US"/>
           </a:p>
           <a:p>
             <a:pPr marL="0" indent="457200">
@@ -7470,7 +7711,6 @@
               <a:rPr lang="en-US"/>
               <a:t>&lt;/script&gt;</a:t>
             </a:r>
-            <a:endParaRPr lang="en-US"/>
           </a:p>
         </p:txBody>
       </p:sp>
@@ -7664,7 +7904,6 @@
               <a:rPr lang="en-US"/>
               <a:t>Algorithm to write to the body of a document:</a:t>
             </a:r>
-            <a:endParaRPr lang="en-US"/>
           </a:p>
           <a:p>
             <a:pPr marL="914400" lvl="1" indent="-457200">
@@ -7674,7 +7913,6 @@
               <a:rPr lang="en-US"/>
               <a:t>Create an element with a specific id</a:t>
             </a:r>
-            <a:endParaRPr lang="en-US"/>
           </a:p>
           <a:p>
             <a:pPr marL="914400" lvl="1" indent="-457200">
@@ -7708,7 +7946,6 @@
               <a:rPr lang="en-US"/>
               <a:t>Set the innerHTML property of the element to the text to write to the page</a:t>
             </a:r>
-            <a:endParaRPr lang="en-US"/>
           </a:p>
         </p:txBody>
       </p:sp>
@@ -7729,7 +7966,14 @@
         <p:cNvGrpSpPr/>
         <p:nvPr/>
       </p:nvGrpSpPr>
-      <p:grpSpPr/>
+      <p:grpSpPr>
+        <a:xfrm>
+          <a:off x="0" y="0"/>
+          <a:ext cx="0" cy="0"/>
+          <a:chOff x="0" y="0"/>
+          <a:chExt cx="0" cy="0"/>
+        </a:xfrm>
+      </p:grpSpPr>
       <p:sp>
         <p:nvSpPr>
           <p:cNvPr id="4" name="Title 3"/>
@@ -7743,12 +7987,12 @@
         <p:spPr/>
         <p:txBody>
           <a:bodyPr/>
+          <a:lstStyle/>
           <a:p>
             <a:r>
               <a:rPr lang="en-US"/>
               <a:t>“Hello, World” in JS</a:t>
             </a:r>
-            <a:endParaRPr lang="en-US"/>
           </a:p>
         </p:txBody>
       </p:sp>
@@ -7765,6 +8009,7 @@
         <p:spPr/>
         <p:txBody>
           <a:bodyPr/>
+          <a:lstStyle/>
           <a:p>
             <a:pPr marL="0" indent="0">
               <a:buNone/>
@@ -7773,7 +8018,6 @@
               <a:rPr lang="en-US"/>
               <a:t>console.log(“Hello, world!”);</a:t>
             </a:r>
-            <a:endParaRPr lang="en-US"/>
           </a:p>
         </p:txBody>
       </p:sp>
@@ -7794,7 +8038,14 @@
         <p:cNvGrpSpPr/>
         <p:nvPr/>
       </p:nvGrpSpPr>
-      <p:grpSpPr/>
+      <p:grpSpPr>
+        <a:xfrm>
+          <a:off x="0" y="0"/>
+          <a:ext cx="0" cy="0"/>
+          <a:chOff x="0" y="0"/>
+          <a:chExt cx="0" cy="0"/>
+        </a:xfrm>
+      </p:grpSpPr>
       <p:sp>
         <p:nvSpPr>
           <p:cNvPr id="4" name="Title 3"/>
@@ -7808,12 +8059,12 @@
         <p:spPr/>
         <p:txBody>
           <a:bodyPr/>
+          <a:lstStyle/>
           <a:p>
             <a:r>
               <a:rPr lang="en-US"/>
               <a:t>Writing to the Body (Document)</a:t>
             </a:r>
-            <a:endParaRPr lang="en-US"/>
           </a:p>
         </p:txBody>
       </p:sp>
@@ -7835,8 +8086,9 @@
         </p:spPr>
         <p:txBody>
           <a:bodyPr>
-            <a:normAutofit lnSpcReduction="10000"/>
+            <a:normAutofit/>
           </a:bodyPr>
+          <a:lstStyle/>
           <a:p>
             <a:r>
               <a:rPr lang="en-US"/>
@@ -7848,13 +8100,8 @@
             </a:r>
             <a:r>
               <a:rPr lang="en-US"/>
-              <a:t>of “</a:t>
-            </a:r>
-            <a:r>
-              <a:rPr lang="en-US"/>
-              <a:t>writehere” to “Hello, World!”</a:t>
-            </a:r>
-            <a:endParaRPr lang="en-US"/>
+              <a:t>of “writehere” to “Hello, World!”</a:t>
+            </a:r>
           </a:p>
           <a:p>
             <a:endParaRPr lang="en-US"/>
@@ -7873,13 +8120,8 @@
             </a:r>
             <a:r>
               <a:rPr lang="en-US"/>
-              <a:t>id=”</a:t>
-            </a:r>
-            <a:r>
-              <a:rPr lang="en-US"/>
-              <a:t>writehere”&gt;&lt;/p&gt;</a:t>
-            </a:r>
-            <a:endParaRPr lang="en-US"/>
+              <a:t>id=”writehere”&gt;&lt;/p&gt;</a:t>
+            </a:r>
           </a:p>
           <a:p>
             <a:pPr marL="0" indent="0">
@@ -7889,7 +8131,6 @@
               <a:rPr lang="en-US"/>
               <a:t>&lt;script&gt;</a:t>
             </a:r>
-            <a:endParaRPr lang="en-US"/>
           </a:p>
           <a:p>
             <a:pPr marL="0" indent="457200">
@@ -7913,7 +8154,6 @@
               <a:rPr lang="en-US"/>
               <a:t>&lt;/script&gt;</a:t>
             </a:r>
-            <a:endParaRPr lang="en-US"/>
           </a:p>
         </p:txBody>
       </p:sp>
@@ -8107,7 +8347,6 @@
               <a:rPr lang="en-US"/>
               <a:t>Algorithm to write to the body of a document:</a:t>
             </a:r>
-            <a:endParaRPr lang="en-US"/>
           </a:p>
           <a:p>
             <a:pPr marL="914400" lvl="1" indent="-457200">
@@ -8117,7 +8356,6 @@
               <a:rPr lang="en-US"/>
               <a:t>Create an element with a specific id</a:t>
             </a:r>
-            <a:endParaRPr lang="en-US"/>
           </a:p>
           <a:p>
             <a:pPr marL="914400" lvl="1" indent="-457200">
@@ -8163,7 +8401,6 @@
               <a:rPr lang="en-US"/>
               <a:t>Set the innerHTML property of the element to the text to write to the page</a:t>
             </a:r>
-            <a:endParaRPr lang="en-US"/>
           </a:p>
         </p:txBody>
       </p:sp>
@@ -8184,7 +8421,14 @@
         <p:cNvGrpSpPr/>
         <p:nvPr/>
       </p:nvGrpSpPr>
-      <p:grpSpPr/>
+      <p:grpSpPr>
+        <a:xfrm>
+          <a:off x="0" y="0"/>
+          <a:ext cx="0" cy="0"/>
+          <a:chOff x="0" y="0"/>
+          <a:chExt cx="0" cy="0"/>
+        </a:xfrm>
+      </p:grpSpPr>
       <p:sp>
         <p:nvSpPr>
           <p:cNvPr id="4" name="Title 3"/>
@@ -8198,12 +8442,12 @@
         <p:spPr/>
         <p:txBody>
           <a:bodyPr/>
+          <a:lstStyle/>
           <a:p>
             <a:r>
               <a:rPr lang="en-US"/>
               <a:t>Writing to the Body (Document)</a:t>
             </a:r>
-            <a:endParaRPr lang="en-US"/>
           </a:p>
         </p:txBody>
       </p:sp>
@@ -8225,8 +8469,9 @@
         </p:spPr>
         <p:txBody>
           <a:bodyPr>
-            <a:normAutofit lnSpcReduction="10000"/>
+            <a:normAutofit/>
           </a:bodyPr>
+          <a:lstStyle/>
           <a:p>
             <a:r>
               <a:rPr lang="en-US"/>
@@ -8238,13 +8483,8 @@
             </a:r>
             <a:r>
               <a:rPr lang="en-US"/>
-              <a:t>of “</a:t>
-            </a:r>
-            <a:r>
-              <a:rPr lang="en-US"/>
-              <a:t>writehere” to “Hello, World!”</a:t>
-            </a:r>
-            <a:endParaRPr lang="en-US"/>
+              <a:t>of “writehere” to “Hello, World!”</a:t>
+            </a:r>
           </a:p>
           <a:p>
             <a:endParaRPr lang="en-US"/>
@@ -8263,13 +8503,8 @@
             </a:r>
             <a:r>
               <a:rPr lang="en-US"/>
-              <a:t>id=”</a:t>
-            </a:r>
-            <a:r>
-              <a:rPr lang="en-US"/>
-              <a:t>writehere”&gt;&lt;/p&gt;</a:t>
-            </a:r>
-            <a:endParaRPr lang="en-US"/>
+              <a:t>id=”writehere”&gt;&lt;/p&gt;</a:t>
+            </a:r>
           </a:p>
           <a:p>
             <a:pPr marL="0" indent="0">
@@ -8279,7 +8514,6 @@
               <a:rPr lang="en-US"/>
               <a:t>&lt;script&gt;</a:t>
             </a:r>
-            <a:endParaRPr lang="en-US"/>
           </a:p>
           <a:p>
             <a:pPr marL="0" indent="457200">
@@ -8297,7 +8531,6 @@
               <a:rPr lang="en-US" sz="2000"/>
               <a:t>);</a:t>
             </a:r>
-            <a:endParaRPr lang="en-US" sz="2000"/>
           </a:p>
           <a:p>
             <a:pPr marL="0" indent="0">
@@ -8307,7 +8540,6 @@
               <a:rPr lang="en-US"/>
               <a:t>&lt;/script&gt;</a:t>
             </a:r>
-            <a:endParaRPr lang="en-US"/>
           </a:p>
         </p:txBody>
       </p:sp>
@@ -8501,7 +8733,6 @@
               <a:rPr lang="en-US"/>
               <a:t>Algorithm to write to the body of a document:</a:t>
             </a:r>
-            <a:endParaRPr lang="en-US"/>
           </a:p>
           <a:p>
             <a:pPr marL="914400" lvl="1" indent="-457200">
@@ -8511,7 +8742,6 @@
               <a:rPr lang="en-US"/>
               <a:t>Create an element with a specific id</a:t>
             </a:r>
-            <a:endParaRPr lang="en-US"/>
           </a:p>
           <a:p>
             <a:pPr marL="914400" lvl="1" indent="-457200">
@@ -8533,13 +8763,7 @@
               <a:rPr lang="en-US">
                 <a:sym typeface="+mn-ea"/>
               </a:rPr>
-              <a:t>Obtain a </a:t>
-            </a:r>
-            <a:r>
-              <a:rPr lang="en-US">
-                <a:sym typeface="+mn-ea"/>
-              </a:rPr>
-              <a:t>reference to the element to write in </a:t>
+              <a:t>Obtain a reference to the element to write in </a:t>
             </a:r>
             <a:r>
               <a:rPr lang="en-US" b="1">
@@ -8563,7 +8787,6 @@
               <a:rPr lang="en-US"/>
               <a:t>Set the innerHTML property of the element to the text to write to the page</a:t>
             </a:r>
-            <a:endParaRPr lang="en-US"/>
           </a:p>
         </p:txBody>
       </p:sp>
@@ -8584,7 +8807,14 @@
         <p:cNvGrpSpPr/>
         <p:nvPr/>
       </p:nvGrpSpPr>
-      <p:grpSpPr/>
+      <p:grpSpPr>
+        <a:xfrm>
+          <a:off x="0" y="0"/>
+          <a:ext cx="0" cy="0"/>
+          <a:chOff x="0" y="0"/>
+          <a:chExt cx="0" cy="0"/>
+        </a:xfrm>
+      </p:grpSpPr>
       <p:sp>
         <p:nvSpPr>
           <p:cNvPr id="4" name="Title 3"/>
@@ -8598,12 +8828,12 @@
         <p:spPr/>
         <p:txBody>
           <a:bodyPr/>
+          <a:lstStyle/>
           <a:p>
             <a:r>
               <a:rPr lang="en-US"/>
               <a:t>Writing to the Body (Document)</a:t>
             </a:r>
-            <a:endParaRPr lang="en-US"/>
           </a:p>
         </p:txBody>
       </p:sp>
@@ -8625,8 +8855,9 @@
         </p:spPr>
         <p:txBody>
           <a:bodyPr>
-            <a:normAutofit lnSpcReduction="10000"/>
+            <a:normAutofit/>
           </a:bodyPr>
+          <a:lstStyle/>
           <a:p>
             <a:r>
               <a:rPr lang="en-US"/>
@@ -8638,13 +8869,8 @@
             </a:r>
             <a:r>
               <a:rPr lang="en-US"/>
-              <a:t>of “</a:t>
-            </a:r>
-            <a:r>
-              <a:rPr lang="en-US"/>
-              <a:t>writehere” to “Hello, World!”</a:t>
-            </a:r>
-            <a:endParaRPr lang="en-US"/>
+              <a:t>of “writehere” to “Hello, World!”</a:t>
+            </a:r>
           </a:p>
           <a:p>
             <a:endParaRPr lang="en-US"/>
@@ -8663,13 +8889,8 @@
             </a:r>
             <a:r>
               <a:rPr lang="en-US"/>
-              <a:t>id=”</a:t>
-            </a:r>
-            <a:r>
-              <a:rPr lang="en-US"/>
-              <a:t>writehere”&gt;&lt;/p&gt;</a:t>
-            </a:r>
-            <a:endParaRPr lang="en-US"/>
+              <a:t>id=”writehere”&gt;&lt;/p&gt;</a:t>
+            </a:r>
           </a:p>
           <a:p>
             <a:pPr marL="0" indent="0">
@@ -8679,7 +8900,6 @@
               <a:rPr lang="en-US"/>
               <a:t>&lt;script&gt;</a:t>
             </a:r>
-            <a:endParaRPr lang="en-US"/>
           </a:p>
           <a:p>
             <a:pPr marL="0" indent="457200">
@@ -8691,13 +8911,8 @@
             </a:r>
             <a:r>
               <a:rPr lang="en-US" sz="2000"/>
-              <a:t> document.getElementById(</a:t>
-            </a:r>
-            <a:r>
-              <a:rPr lang="en-US" sz="2000"/>
-              <a:t>“writehere”);</a:t>
-            </a:r>
-            <a:endParaRPr lang="en-US" sz="2000"/>
+              <a:t> document.getElementById(“writehere”);</a:t>
+            </a:r>
           </a:p>
           <a:p>
             <a:pPr marL="0" indent="0">
@@ -8707,7 +8922,6 @@
               <a:rPr lang="en-US"/>
               <a:t>&lt;/script&gt;</a:t>
             </a:r>
-            <a:endParaRPr lang="en-US"/>
           </a:p>
         </p:txBody>
       </p:sp>
@@ -8901,7 +9115,6 @@
               <a:rPr lang="en-US"/>
               <a:t>Algorithm to write to the body of a document:</a:t>
             </a:r>
-            <a:endParaRPr lang="en-US"/>
           </a:p>
           <a:p>
             <a:pPr marL="914400" lvl="1" indent="-457200">
@@ -8911,7 +9124,6 @@
               <a:rPr lang="en-US"/>
               <a:t>Create an element with a specific id</a:t>
             </a:r>
-            <a:endParaRPr lang="en-US"/>
           </a:p>
           <a:p>
             <a:pPr marL="914400" lvl="1" indent="-457200">
@@ -8951,7 +9163,6 @@
               <a:rPr lang="en-US"/>
               <a:t>Set the innerHTML property of the element to the text to write to the page</a:t>
             </a:r>
-            <a:endParaRPr lang="en-US"/>
           </a:p>
         </p:txBody>
       </p:sp>
@@ -8972,7 +9183,14 @@
         <p:cNvGrpSpPr/>
         <p:nvPr/>
       </p:nvGrpSpPr>
-      <p:grpSpPr/>
+      <p:grpSpPr>
+        <a:xfrm>
+          <a:off x="0" y="0"/>
+          <a:ext cx="0" cy="0"/>
+          <a:chOff x="0" y="0"/>
+          <a:chExt cx="0" cy="0"/>
+        </a:xfrm>
+      </p:grpSpPr>
       <p:sp>
         <p:nvSpPr>
           <p:cNvPr id="4" name="Title 3"/>
@@ -8986,12 +9204,12 @@
         <p:spPr/>
         <p:txBody>
           <a:bodyPr/>
+          <a:lstStyle/>
           <a:p>
             <a:r>
               <a:rPr lang="en-US"/>
               <a:t>Writing to the Body (Document)</a:t>
             </a:r>
-            <a:endParaRPr lang="en-US"/>
           </a:p>
         </p:txBody>
       </p:sp>
@@ -9013,8 +9231,9 @@
         </p:spPr>
         <p:txBody>
           <a:bodyPr>
-            <a:normAutofit lnSpcReduction="10000"/>
+            <a:normAutofit/>
           </a:bodyPr>
+          <a:lstStyle/>
           <a:p>
             <a:r>
               <a:rPr lang="en-US"/>
@@ -9026,13 +9245,8 @@
             </a:r>
             <a:r>
               <a:rPr lang="en-US"/>
-              <a:t>of “</a:t>
-            </a:r>
-            <a:r>
-              <a:rPr lang="en-US"/>
-              <a:t>writehere” to “Hello, World!”</a:t>
-            </a:r>
-            <a:endParaRPr lang="en-US"/>
+              <a:t>of “writehere” to “Hello, World!”</a:t>
+            </a:r>
           </a:p>
           <a:p>
             <a:endParaRPr lang="en-US"/>
@@ -9051,13 +9265,8 @@
             </a:r>
             <a:r>
               <a:rPr lang="en-US"/>
-              <a:t>id=”</a:t>
-            </a:r>
-            <a:r>
-              <a:rPr lang="en-US"/>
-              <a:t>writehere”&gt;&lt;/p&gt;</a:t>
-            </a:r>
-            <a:endParaRPr lang="en-US"/>
+              <a:t>id=”writehere”&gt;&lt;/p&gt;</a:t>
+            </a:r>
           </a:p>
           <a:p>
             <a:pPr marL="0" indent="0">
@@ -9067,7 +9276,6 @@
               <a:rPr lang="en-US"/>
               <a:t>&lt;script&gt;</a:t>
             </a:r>
-            <a:endParaRPr lang="en-US"/>
           </a:p>
           <a:p>
             <a:pPr marL="0" indent="457200">
@@ -9075,13 +9283,8 @@
             </a:pPr>
             <a:r>
               <a:rPr lang="en-US" sz="2000"/>
-              <a:t>let pElement = document.getElementById(</a:t>
-            </a:r>
-            <a:r>
-              <a:rPr lang="en-US" sz="2000"/>
-              <a:t>“writehere”);</a:t>
-            </a:r>
-            <a:endParaRPr lang="en-US" sz="2000"/>
+              <a:t>let pElement = document.getElementById(“writehere”);</a:t>
+            </a:r>
           </a:p>
           <a:p>
             <a:pPr marL="0" indent="457200">
@@ -9091,7 +9294,6 @@
               <a:rPr lang="en-US" sz="2000" b="1"/>
               <a:t>pElement.innerHTML = “Hello, World!”;</a:t>
             </a:r>
-            <a:endParaRPr lang="en-US" sz="2000" b="1"/>
           </a:p>
           <a:p>
             <a:pPr marL="0" indent="0">
@@ -9101,7 +9303,6 @@
               <a:rPr lang="en-US"/>
               <a:t>&lt;/script&gt;</a:t>
             </a:r>
-            <a:endParaRPr lang="en-US"/>
           </a:p>
         </p:txBody>
       </p:sp>
@@ -9295,7 +9496,6 @@
               <a:rPr lang="en-US"/>
               <a:t>Algorithm to write to the body of a document:</a:t>
             </a:r>
-            <a:endParaRPr lang="en-US"/>
           </a:p>
           <a:p>
             <a:pPr marL="914400" lvl="1" indent="-457200">
@@ -9305,7 +9505,6 @@
               <a:rPr lang="en-US"/>
               <a:t>Create an element with a specific id</a:t>
             </a:r>
-            <a:endParaRPr lang="en-US"/>
           </a:p>
           <a:p>
             <a:pPr marL="914400" lvl="1" indent="-457200">
@@ -9339,7 +9538,6 @@
               <a:rPr lang="en-US" b="1"/>
               <a:t>Set the innerHTML property of the element to the text to write to the page</a:t>
             </a:r>
-            <a:endParaRPr lang="en-US" b="1"/>
           </a:p>
         </p:txBody>
       </p:sp>
@@ -9360,7 +9558,14 @@
         <p:cNvGrpSpPr/>
         <p:nvPr/>
       </p:nvGrpSpPr>
-      <p:grpSpPr/>
+      <p:grpSpPr>
+        <a:xfrm>
+          <a:off x="0" y="0"/>
+          <a:ext cx="0" cy="0"/>
+          <a:chOff x="0" y="0"/>
+          <a:chExt cx="0" cy="0"/>
+        </a:xfrm>
+      </p:grpSpPr>
       <p:sp>
         <p:nvSpPr>
           <p:cNvPr id="4" name="Title 3"/>
@@ -9374,12 +9579,12 @@
         <p:spPr/>
         <p:txBody>
           <a:bodyPr/>
+          <a:lstStyle/>
           <a:p>
             <a:r>
               <a:rPr lang="en-US"/>
               <a:t>Writing to the Body (Document)</a:t>
             </a:r>
-            <a:endParaRPr lang="en-US"/>
           </a:p>
         </p:txBody>
       </p:sp>
@@ -9401,8 +9606,9 @@
         </p:spPr>
         <p:txBody>
           <a:bodyPr>
-            <a:normAutofit lnSpcReduction="10000"/>
+            <a:normAutofit/>
           </a:bodyPr>
+          <a:lstStyle/>
           <a:p>
             <a:r>
               <a:rPr lang="en-US"/>
@@ -9414,13 +9620,8 @@
             </a:r>
             <a:r>
               <a:rPr lang="en-US"/>
-              <a:t>of “</a:t>
-            </a:r>
-            <a:r>
-              <a:rPr lang="en-US"/>
-              <a:t>writehere” to “Hello, World!”</a:t>
-            </a:r>
-            <a:endParaRPr lang="en-US"/>
+              <a:t>of “writehere” to “Hello, World!”</a:t>
+            </a:r>
           </a:p>
           <a:p>
             <a:endParaRPr lang="en-US"/>
@@ -9439,13 +9640,8 @@
             </a:r>
             <a:r>
               <a:rPr lang="en-US"/>
-              <a:t>id=”</a:t>
-            </a:r>
-            <a:r>
-              <a:rPr lang="en-US"/>
-              <a:t>writehere”&gt;&lt;/p&gt;</a:t>
-            </a:r>
-            <a:endParaRPr lang="en-US"/>
+              <a:t>id=”writehere”&gt;&lt;/p&gt;</a:t>
+            </a:r>
           </a:p>
           <a:p>
             <a:pPr marL="0" indent="0">
@@ -9455,7 +9651,6 @@
               <a:rPr lang="en-US"/>
               <a:t>&lt;script&gt;</a:t>
             </a:r>
-            <a:endParaRPr lang="en-US"/>
           </a:p>
           <a:p>
             <a:pPr marL="0" indent="457200">
@@ -9463,13 +9658,8 @@
             </a:pPr>
             <a:r>
               <a:rPr lang="en-US" sz="2000"/>
-              <a:t>let pElement = document.getElementById(</a:t>
-            </a:r>
-            <a:r>
-              <a:rPr lang="en-US" sz="2000"/>
-              <a:t>“writehere”);</a:t>
-            </a:r>
-            <a:endParaRPr lang="en-US" sz="2000"/>
+              <a:t>let pElement = document.getElementById(“writehere”);</a:t>
+            </a:r>
           </a:p>
           <a:p>
             <a:pPr marL="0" indent="457200">
@@ -9487,7 +9677,6 @@
               <a:rPr lang="en-US" sz="2000"/>
               <a:t> = “Hello, World!”;</a:t>
             </a:r>
-            <a:endParaRPr lang="en-US" sz="2000"/>
           </a:p>
           <a:p>
             <a:pPr marL="0" indent="0">
@@ -9497,7 +9686,6 @@
               <a:rPr lang="en-US"/>
               <a:t>&lt;/script&gt;</a:t>
             </a:r>
-            <a:endParaRPr lang="en-US"/>
           </a:p>
         </p:txBody>
       </p:sp>
@@ -9691,7 +9879,6 @@
               <a:rPr lang="en-US"/>
               <a:t>Algorithm to write to the body of a document:</a:t>
             </a:r>
-            <a:endParaRPr lang="en-US"/>
           </a:p>
           <a:p>
             <a:pPr marL="914400" lvl="1" indent="-457200">
@@ -9701,7 +9888,6 @@
               <a:rPr lang="en-US"/>
               <a:t>Create an element with a specific id</a:t>
             </a:r>
-            <a:endParaRPr lang="en-US"/>
           </a:p>
           <a:p>
             <a:pPr marL="914400" lvl="1" indent="-457200">
@@ -9743,7 +9929,6 @@
               <a:rPr lang="en-US"/>
               <a:t> of the element to the text to write to the page</a:t>
             </a:r>
-            <a:endParaRPr lang="en-US"/>
           </a:p>
         </p:txBody>
       </p:sp>
@@ -9764,7 +9949,14 @@
         <p:cNvGrpSpPr/>
         <p:nvPr/>
       </p:nvGrpSpPr>
-      <p:grpSpPr/>
+      <p:grpSpPr>
+        <a:xfrm>
+          <a:off x="0" y="0"/>
+          <a:ext cx="0" cy="0"/>
+          <a:chOff x="0" y="0"/>
+          <a:chExt cx="0" cy="0"/>
+        </a:xfrm>
+      </p:grpSpPr>
       <p:sp>
         <p:nvSpPr>
           <p:cNvPr id="4" name="Title 3"/>
@@ -9778,12 +9970,12 @@
         <p:spPr/>
         <p:txBody>
           <a:bodyPr/>
+          <a:lstStyle/>
           <a:p>
             <a:r>
               <a:rPr lang="en-US"/>
               <a:t>Writing to the Body (Document)</a:t>
             </a:r>
-            <a:endParaRPr lang="en-US"/>
           </a:p>
         </p:txBody>
       </p:sp>
@@ -9805,8 +9997,9 @@
         </p:spPr>
         <p:txBody>
           <a:bodyPr>
-            <a:normAutofit lnSpcReduction="10000"/>
+            <a:normAutofit/>
           </a:bodyPr>
+          <a:lstStyle/>
           <a:p>
             <a:r>
               <a:rPr lang="en-US"/>
@@ -9818,13 +10011,8 @@
             </a:r>
             <a:r>
               <a:rPr lang="en-US"/>
-              <a:t>of “</a:t>
-            </a:r>
-            <a:r>
-              <a:rPr lang="en-US"/>
-              <a:t>writehere” to “Hello, World!”</a:t>
-            </a:r>
-            <a:endParaRPr lang="en-US"/>
+              <a:t>of “writehere” to “Hello, World!”</a:t>
+            </a:r>
           </a:p>
           <a:p>
             <a:endParaRPr lang="en-US"/>
@@ -9843,13 +10031,8 @@
             </a:r>
             <a:r>
               <a:rPr lang="en-US"/>
-              <a:t>id=”</a:t>
-            </a:r>
-            <a:r>
-              <a:rPr lang="en-US"/>
-              <a:t>writehere”&gt;&lt;/p&gt;</a:t>
-            </a:r>
-            <a:endParaRPr lang="en-US"/>
+              <a:t>id=”writehere”&gt;&lt;/p&gt;</a:t>
+            </a:r>
           </a:p>
           <a:p>
             <a:pPr marL="0" indent="0">
@@ -9859,7 +10042,6 @@
               <a:rPr lang="en-US"/>
               <a:t>&lt;script&gt;</a:t>
             </a:r>
-            <a:endParaRPr lang="en-US"/>
           </a:p>
           <a:p>
             <a:pPr marL="0" indent="457200">
@@ -9867,13 +10049,8 @@
             </a:pPr>
             <a:r>
               <a:rPr lang="en-US" sz="2000"/>
-              <a:t>let pElement = document.getElementById(</a:t>
-            </a:r>
-            <a:r>
-              <a:rPr lang="en-US" sz="2000"/>
-              <a:t>“writehere”);</a:t>
-            </a:r>
-            <a:endParaRPr lang="en-US" sz="2000"/>
+              <a:t>let pElement = document.getElementById(“writehere”);</a:t>
+            </a:r>
           </a:p>
           <a:p>
             <a:pPr marL="0" indent="457200">
@@ -9887,7 +10064,6 @@
               <a:rPr lang="en-US" sz="2000"/>
               <a:t>.innerHTML = “Hello, World!”;</a:t>
             </a:r>
-            <a:endParaRPr lang="en-US" sz="2000"/>
           </a:p>
           <a:p>
             <a:pPr marL="0" indent="0">
@@ -9897,7 +10073,6 @@
               <a:rPr lang="en-US"/>
               <a:t>&lt;/script&gt;</a:t>
             </a:r>
-            <a:endParaRPr lang="en-US"/>
           </a:p>
         </p:txBody>
       </p:sp>
@@ -10091,7 +10266,6 @@
               <a:rPr lang="en-US"/>
               <a:t>Algorithm to write to the body of a document:</a:t>
             </a:r>
-            <a:endParaRPr lang="en-US"/>
           </a:p>
           <a:p>
             <a:pPr marL="914400" lvl="1" indent="-457200">
@@ -10101,7 +10275,6 @@
               <a:rPr lang="en-US"/>
               <a:t>Create an element with a specific id</a:t>
             </a:r>
-            <a:endParaRPr lang="en-US"/>
           </a:p>
           <a:p>
             <a:pPr marL="914400" lvl="1" indent="-457200">
@@ -10143,7 +10316,6 @@
               <a:rPr lang="en-US"/>
               <a:t> to the text to write to the page</a:t>
             </a:r>
-            <a:endParaRPr lang="en-US"/>
           </a:p>
         </p:txBody>
       </p:sp>
@@ -10164,7 +10336,14 @@
         <p:cNvGrpSpPr/>
         <p:nvPr/>
       </p:nvGrpSpPr>
-      <p:grpSpPr/>
+      <p:grpSpPr>
+        <a:xfrm>
+          <a:off x="0" y="0"/>
+          <a:ext cx="0" cy="0"/>
+          <a:chOff x="0" y="0"/>
+          <a:chExt cx="0" cy="0"/>
+        </a:xfrm>
+      </p:grpSpPr>
       <p:sp>
         <p:nvSpPr>
           <p:cNvPr id="4" name="Title 3"/>
@@ -10178,12 +10357,12 @@
         <p:spPr/>
         <p:txBody>
           <a:bodyPr/>
+          <a:lstStyle/>
           <a:p>
             <a:r>
               <a:rPr lang="en-US"/>
               <a:t>Writing to the Body (Document)</a:t>
             </a:r>
-            <a:endParaRPr lang="en-US"/>
           </a:p>
         </p:txBody>
       </p:sp>
@@ -10205,103 +10384,130 @@
         </p:spPr>
         <p:txBody>
           <a:bodyPr>
-            <a:normAutofit lnSpcReduction="10000"/>
+            <a:normAutofit/>
           </a:bodyPr>
-          <a:p>
-            <a:r>
-              <a:rPr lang="en-US"/>
+          <a:lstStyle/>
+          <a:p>
+            <a:r>
+              <a:rPr lang="en-US" dirty="0"/>
               <a:t>Example: Set the contents of a paragraph with an id</a:t>
             </a:r>
             <a:r>
-              <a:rPr lang="en-US" b="1"/>
+              <a:rPr lang="en-US" b="1" dirty="0"/>
               <a:t> </a:t>
             </a:r>
             <a:r>
-              <a:rPr lang="en-US"/>
+              <a:rPr lang="en-US" dirty="0"/>
               <a:t>of “</a:t>
             </a:r>
             <a:r>
-              <a:rPr lang="en-US"/>
-              <a:t>writehere” to “Hello, World!”</a:t>
-            </a:r>
-            <a:endParaRPr lang="en-US"/>
-          </a:p>
-          <a:p>
-            <a:endParaRPr lang="en-US"/>
+              <a:rPr lang="en-US" dirty="0" err="1"/>
+              <a:t>writehere</a:t>
+            </a:r>
+            <a:r>
+              <a:rPr lang="en-US" dirty="0"/>
+              <a:t>” to “Hello, World!”</a:t>
+            </a:r>
+          </a:p>
+          <a:p>
+            <a:endParaRPr lang="en-US" dirty="0"/>
           </a:p>
           <a:p>
             <a:pPr marL="0" indent="0">
               <a:buNone/>
             </a:pPr>
             <a:r>
-              <a:rPr lang="en-US"/>
+              <a:rPr lang="en-US" dirty="0"/>
               <a:t>&lt;p</a:t>
             </a:r>
             <a:r>
-              <a:rPr lang="en-US" b="1"/>
+              <a:rPr lang="en-US" b="1" dirty="0"/>
               <a:t> </a:t>
             </a:r>
             <a:r>
-              <a:rPr lang="en-US"/>
+              <a:rPr lang="en-US" dirty="0"/>
               <a:t>id=”</a:t>
             </a:r>
             <a:r>
-              <a:rPr lang="en-US"/>
-              <a:t>writehere”&gt;&lt;/p&gt;</a:t>
-            </a:r>
-            <a:endParaRPr lang="en-US"/>
+              <a:rPr lang="en-US" dirty="0" err="1"/>
+              <a:t>writehere</a:t>
+            </a:r>
+            <a:r>
+              <a:rPr lang="en-US" dirty="0"/>
+              <a:t>”&gt;&lt;/p&gt;</a:t>
+            </a:r>
           </a:p>
           <a:p>
             <a:pPr marL="0" indent="0">
               <a:buNone/>
             </a:pPr>
             <a:r>
-              <a:rPr lang="en-US"/>
+              <a:rPr lang="en-US" dirty="0"/>
               <a:t>&lt;script&gt;</a:t>
             </a:r>
-            <a:endParaRPr lang="en-US"/>
           </a:p>
           <a:p>
             <a:pPr marL="0" indent="457200">
               <a:buNone/>
             </a:pPr>
             <a:r>
-              <a:rPr lang="en-US" sz="2000"/>
-              <a:t>let pElement = document.getElementById(</a:t>
-            </a:r>
-            <a:r>
-              <a:rPr lang="en-US" sz="2000"/>
-              <a:t>“writehere”);</a:t>
-            </a:r>
-            <a:endParaRPr lang="en-US" sz="2000"/>
+              <a:rPr lang="en-US" sz="2000" dirty="0"/>
+              <a:t>let </a:t>
+            </a:r>
+            <a:r>
+              <a:rPr lang="en-US" sz="2000" dirty="0" err="1"/>
+              <a:t>pElement</a:t>
+            </a:r>
+            <a:r>
+              <a:rPr lang="en-US" sz="2000" dirty="0"/>
+              <a:t> = </a:t>
+            </a:r>
+            <a:r>
+              <a:rPr lang="en-US" sz="2000" dirty="0" err="1"/>
+              <a:t>document.getElementById</a:t>
+            </a:r>
+            <a:r>
+              <a:rPr lang="en-US" sz="2000" dirty="0"/>
+              <a:t>(“</a:t>
+            </a:r>
+            <a:r>
+              <a:rPr lang="en-US" sz="2000" dirty="0" err="1"/>
+              <a:t>writehere</a:t>
+            </a:r>
+            <a:r>
+              <a:rPr lang="en-US" sz="2000" dirty="0"/>
+              <a:t>”);</a:t>
+            </a:r>
           </a:p>
           <a:p>
             <a:pPr marL="0" indent="457200">
               <a:buNone/>
             </a:pPr>
             <a:r>
-              <a:rPr lang="en-US" sz="2000"/>
-              <a:t>pElement.innerHTML = </a:t>
-            </a:r>
-            <a:r>
-              <a:rPr lang="en-US" sz="2000" b="1"/>
-              <a:t>“Hello, World!”</a:t>
-            </a:r>
-            <a:r>
-              <a:rPr lang="en-US" sz="2000"/>
+              <a:rPr lang="en-US" sz="2000" dirty="0" err="1"/>
+              <a:t>pElement.innerHTML</a:t>
+            </a:r>
+            <a:r>
+              <a:rPr lang="en-US" sz="2000" dirty="0"/>
+              <a:t> </a:t>
+            </a:r>
+            <a:r>
+              <a:rPr lang="en-US" sz="2000" b="1" dirty="0"/>
+              <a:t>= “Hello, World!”</a:t>
+            </a:r>
+            <a:r>
+              <a:rPr lang="en-US" sz="2000" dirty="0"/>
               <a:t>;</a:t>
             </a:r>
-            <a:endParaRPr lang="en-US" sz="2000"/>
           </a:p>
           <a:p>
             <a:pPr marL="0" indent="0">
               <a:buNone/>
             </a:pPr>
             <a:r>
-              <a:rPr lang="en-US"/>
+              <a:rPr lang="en-US" dirty="0"/>
               <a:t>&lt;/script&gt;</a:t>
             </a:r>
-            <a:endParaRPr lang="en-US"/>
           </a:p>
         </p:txBody>
       </p:sp>
@@ -10495,7 +10701,6 @@
               <a:rPr lang="en-US"/>
               <a:t>Algorithm to write to the body of a document:</a:t>
             </a:r>
-            <a:endParaRPr lang="en-US"/>
           </a:p>
           <a:p>
             <a:pPr marL="914400" lvl="1" indent="-457200">
@@ -10505,7 +10710,6 @@
               <a:rPr lang="en-US"/>
               <a:t>Create an element with a specific id</a:t>
             </a:r>
-            <a:endParaRPr lang="en-US"/>
           </a:p>
           <a:p>
             <a:pPr marL="914400" lvl="1" indent="-457200">
@@ -10551,7 +10755,6 @@
               <a:rPr lang="en-US"/>
               <a:t> to write to the page</a:t>
             </a:r>
-            <a:endParaRPr lang="en-US"/>
           </a:p>
         </p:txBody>
       </p:sp>
@@ -10572,7 +10775,14 @@
         <p:cNvGrpSpPr/>
         <p:nvPr/>
       </p:nvGrpSpPr>
-      <p:grpSpPr/>
+      <p:grpSpPr>
+        <a:xfrm>
+          <a:off x="0" y="0"/>
+          <a:ext cx="0" cy="0"/>
+          <a:chOff x="0" y="0"/>
+          <a:chExt cx="0" cy="0"/>
+        </a:xfrm>
+      </p:grpSpPr>
       <p:sp>
         <p:nvSpPr>
           <p:cNvPr id="4" name="Title 3"/>
@@ -10586,12 +10796,12 @@
         <p:spPr/>
         <p:txBody>
           <a:bodyPr/>
+          <a:lstStyle/>
           <a:p>
             <a:r>
               <a:rPr lang="en-US"/>
               <a:t>Writing to the Body (Document)</a:t>
             </a:r>
-            <a:endParaRPr lang="en-US"/>
           </a:p>
         </p:txBody>
       </p:sp>
@@ -10613,8 +10823,9 @@
         </p:spPr>
         <p:txBody>
           <a:bodyPr>
-            <a:normAutofit lnSpcReduction="10000"/>
+            <a:normAutofit/>
           </a:bodyPr>
+          <a:lstStyle/>
           <a:p>
             <a:r>
               <a:rPr lang="en-US"/>
@@ -10626,13 +10837,8 @@
             </a:r>
             <a:r>
               <a:rPr lang="en-US"/>
-              <a:t>of “</a:t>
-            </a:r>
-            <a:r>
-              <a:rPr lang="en-US"/>
-              <a:t>writehere” to “Hello, World!”</a:t>
-            </a:r>
-            <a:endParaRPr lang="en-US"/>
+              <a:t>of “writehere” to “Hello, World!”</a:t>
+            </a:r>
           </a:p>
           <a:p>
             <a:endParaRPr lang="en-US"/>
@@ -10651,13 +10857,8 @@
             </a:r>
             <a:r>
               <a:rPr lang="en-US"/>
-              <a:t>id=”</a:t>
-            </a:r>
-            <a:r>
-              <a:rPr lang="en-US"/>
-              <a:t>writehere”&gt;&lt;/p&gt;</a:t>
-            </a:r>
-            <a:endParaRPr lang="en-US"/>
+              <a:t>id=”writehere”&gt;&lt;/p&gt;</a:t>
+            </a:r>
           </a:p>
           <a:p>
             <a:pPr marL="0" indent="0">
@@ -10667,7 +10868,6 @@
               <a:rPr lang="en-US"/>
               <a:t>&lt;script&gt;</a:t>
             </a:r>
-            <a:endParaRPr lang="en-US"/>
           </a:p>
           <a:p>
             <a:pPr marL="0" indent="457200">
@@ -10675,13 +10875,8 @@
             </a:pPr>
             <a:r>
               <a:rPr lang="en-US" sz="2000"/>
-              <a:t>let pElement = document.getElementById(</a:t>
-            </a:r>
-            <a:r>
-              <a:rPr lang="en-US" sz="2000"/>
-              <a:t>“writehere”);</a:t>
-            </a:r>
-            <a:endParaRPr lang="en-US" sz="2000"/>
+              <a:t>let pElement = document.getElementById(“writehere”);</a:t>
+            </a:r>
           </a:p>
           <a:p>
             <a:pPr marL="0" indent="457200">
@@ -10691,7 +10886,6 @@
               <a:rPr lang="en-US" sz="2000"/>
               <a:t>pElement.innerHTML = “Hello, World!”;</a:t>
             </a:r>
-            <a:endParaRPr lang="en-US" sz="2000"/>
           </a:p>
           <a:p>
             <a:pPr marL="0" indent="0">
@@ -10701,7 +10895,6 @@
               <a:rPr lang="en-US"/>
               <a:t>&lt;/script&gt;</a:t>
             </a:r>
-            <a:endParaRPr lang="en-US"/>
           </a:p>
         </p:txBody>
       </p:sp>
@@ -10895,7 +11088,6 @@
               <a:rPr lang="en-US"/>
               <a:t>Algorithm to write to the body of a document:</a:t>
             </a:r>
-            <a:endParaRPr lang="en-US"/>
           </a:p>
           <a:p>
             <a:pPr marL="914400" lvl="1" indent="-457200">
@@ -10905,7 +11097,6 @@
               <a:rPr lang="en-US"/>
               <a:t>Create an element with a specific id</a:t>
             </a:r>
-            <a:endParaRPr lang="en-US"/>
           </a:p>
           <a:p>
             <a:pPr marL="914400" lvl="1" indent="-457200">
@@ -10937,13 +11128,8 @@
             </a:pPr>
             <a:r>
               <a:rPr lang="en-US"/>
-              <a:t>Set the innerHTML property of </a:t>
-            </a:r>
-            <a:r>
-              <a:rPr lang="en-US"/>
-              <a:t>the element to the text to write to the page</a:t>
-            </a:r>
-            <a:endParaRPr lang="en-US"/>
+              <a:t>Set the innerHTML property of the element to the text to write to the page</a:t>
+            </a:r>
           </a:p>
         </p:txBody>
       </p:sp>
@@ -10956,7 +11142,7 @@
           <p:nvPr/>
         </p:nvPicPr>
         <p:blipFill>
-          <a:blip r:embed="rId1"/>
+          <a:blip r:embed="rId2"/>
           <a:stretch>
             <a:fillRect/>
           </a:stretch>
@@ -10991,12 +11177,12 @@
           <a:bodyPr wrap="square" rtlCol="0">
             <a:spAutoFit/>
           </a:bodyPr>
+          <a:lstStyle/>
           <a:p>
             <a:r>
               <a:rPr lang="en-US"/>
               <a:t>“Hello, World” now in the body of the document, not in the console</a:t>
             </a:r>
-            <a:endParaRPr lang="en-US"/>
           </a:p>
         </p:txBody>
       </p:sp>
@@ -11017,7 +11203,14 @@
         <p:cNvGrpSpPr/>
         <p:nvPr/>
       </p:nvGrpSpPr>
-      <p:grpSpPr/>
+      <p:grpSpPr>
+        <a:xfrm>
+          <a:off x="0" y="0"/>
+          <a:ext cx="0" cy="0"/>
+          <a:chOff x="0" y="0"/>
+          <a:chExt cx="0" cy="0"/>
+        </a:xfrm>
+      </p:grpSpPr>
       <p:sp>
         <p:nvSpPr>
           <p:cNvPr id="4" name="Title 3"/>
@@ -11031,12 +11224,12 @@
         <p:spPr/>
         <p:txBody>
           <a:bodyPr/>
+          <a:lstStyle/>
           <a:p>
             <a:r>
               <a:rPr lang="en-US"/>
               <a:t>Writing to the Body (Document)</a:t>
             </a:r>
-            <a:endParaRPr lang="en-US"/>
           </a:p>
         </p:txBody>
       </p:sp>
@@ -11060,12 +11253,12 @@
           <a:bodyPr>
             <a:normAutofit/>
           </a:bodyPr>
+          <a:lstStyle/>
           <a:p>
             <a:r>
               <a:rPr lang="en-US"/>
               <a:t>Exercises</a:t>
             </a:r>
-            <a:endParaRPr lang="en-US"/>
           </a:p>
           <a:p>
             <a:pPr lvl="1"/>
@@ -11073,7 +11266,6 @@
               <a:rPr lang="en-US"/>
               <a:t>Set the contents of a div with an id of “container” to “You can’t contain me!”</a:t>
             </a:r>
-            <a:endParaRPr lang="en-US"/>
           </a:p>
           <a:p>
             <a:pPr lvl="1"/>
@@ -11081,7 +11273,6 @@
               <a:rPr lang="en-US"/>
               <a:t>Set the contents of a span with an id of “name” to “Scott Calvin”</a:t>
             </a:r>
-            <a:endParaRPr lang="en-US"/>
           </a:p>
           <a:p>
             <a:pPr lvl="1"/>
@@ -11089,7 +11280,6 @@
               <a:rPr lang="en-US"/>
               <a:t>Set the contents of a paragraph with an id of “part1” to “Wait until the second half...” Then, print “...when the curtain falls!” to the console</a:t>
             </a:r>
-            <a:endParaRPr lang="en-US"/>
           </a:p>
         </p:txBody>
       </p:sp>
@@ -11283,7 +11473,6 @@
               <a:rPr lang="en-US"/>
               <a:t>Algorithm to write to the body of a document:</a:t>
             </a:r>
-            <a:endParaRPr lang="en-US"/>
           </a:p>
           <a:p>
             <a:pPr marL="914400" lvl="1" indent="-457200">
@@ -11293,7 +11482,6 @@
               <a:rPr lang="en-US"/>
               <a:t>Create an element with a specific id</a:t>
             </a:r>
-            <a:endParaRPr lang="en-US"/>
           </a:p>
           <a:p>
             <a:pPr marL="914400" lvl="1" indent="-457200">
@@ -11325,13 +11513,8 @@
             </a:pPr>
             <a:r>
               <a:rPr lang="en-US"/>
-              <a:t>Set the innerHTML property of </a:t>
-            </a:r>
-            <a:r>
-              <a:rPr lang="en-US"/>
-              <a:t>the element to the text to write to the page</a:t>
-            </a:r>
-            <a:endParaRPr lang="en-US"/>
+              <a:t>Set the innerHTML property of the element to the text to write to the page</a:t>
+            </a:r>
           </a:p>
         </p:txBody>
       </p:sp>
@@ -11352,7 +11535,14 @@
         <p:cNvGrpSpPr/>
         <p:nvPr/>
       </p:nvGrpSpPr>
-      <p:grpSpPr/>
+      <p:grpSpPr>
+        <a:xfrm>
+          <a:off x="0" y="0"/>
+          <a:ext cx="0" cy="0"/>
+          <a:chOff x="0" y="0"/>
+          <a:chExt cx="0" cy="0"/>
+        </a:xfrm>
+      </p:grpSpPr>
       <p:sp>
         <p:nvSpPr>
           <p:cNvPr id="4" name="Title 3"/>
@@ -11366,12 +11556,12 @@
         <p:spPr/>
         <p:txBody>
           <a:bodyPr/>
+          <a:lstStyle/>
           <a:p>
             <a:r>
               <a:rPr lang="en-US"/>
               <a:t>Writing to the Body (Document)</a:t>
             </a:r>
-            <a:endParaRPr lang="en-US"/>
           </a:p>
         </p:txBody>
       </p:sp>
@@ -11395,76 +11585,90 @@
           <a:bodyPr>
             <a:normAutofit/>
           </a:bodyPr>
-          <a:p>
-            <a:r>
-              <a:rPr lang="en-US"/>
+          <a:lstStyle/>
+          <a:p>
+            <a:r>
+              <a:rPr lang="en-US" dirty="0"/>
               <a:t>Exercises</a:t>
             </a:r>
-            <a:endParaRPr lang="en-US"/>
           </a:p>
           <a:p>
             <a:pPr lvl="1"/>
             <a:r>
-              <a:rPr lang="en-US"/>
+              <a:rPr lang="en-US" dirty="0"/>
               <a:t>Set the contents of a div with an id of “container” to “You can’t contain me!”</a:t>
             </a:r>
-            <a:endParaRPr lang="en-US"/>
           </a:p>
           <a:p>
             <a:pPr marL="457200" lvl="1" indent="0">
               <a:buNone/>
             </a:pPr>
             <a:r>
-              <a:rPr lang="en-US"/>
+              <a:rPr lang="en-US" dirty="0"/>
               <a:t>&lt;div id=”container”&gt;&lt;/div&gt;</a:t>
             </a:r>
-            <a:endParaRPr lang="en-US"/>
           </a:p>
           <a:p>
             <a:pPr marL="457200" lvl="1" indent="0">
               <a:buNone/>
             </a:pPr>
-            <a:endParaRPr lang="en-US"/>
+            <a:endParaRPr lang="en-US" dirty="0"/>
           </a:p>
           <a:p>
             <a:pPr marL="457200" lvl="1" indent="0">
               <a:buNone/>
             </a:pPr>
             <a:r>
-              <a:rPr lang="en-US"/>
+              <a:rPr lang="en-US" dirty="0"/>
               <a:t>&lt;script&gt;</a:t>
             </a:r>
-            <a:endParaRPr lang="en-US"/>
           </a:p>
           <a:p>
             <a:pPr marL="457200" lvl="1" indent="457200">
               <a:buNone/>
             </a:pPr>
             <a:r>
-              <a:rPr lang="en-US" sz="2000"/>
-              <a:t>let divElement = document.getElementById(“container”);</a:t>
-            </a:r>
-            <a:endParaRPr lang="en-US" sz="2000"/>
+              <a:rPr lang="en-US" sz="2000" dirty="0"/>
+              <a:t>let </a:t>
+            </a:r>
+            <a:r>
+              <a:rPr lang="en-US" sz="2000" dirty="0" err="1"/>
+              <a:t>divElement</a:t>
+            </a:r>
+            <a:r>
+              <a:rPr lang="en-US" sz="2000" dirty="0"/>
+              <a:t> = </a:t>
+            </a:r>
+            <a:r>
+              <a:rPr lang="en-US" sz="2000" dirty="0" err="1"/>
+              <a:t>document.getElementById</a:t>
+            </a:r>
+            <a:r>
+              <a:rPr lang="en-US" sz="2000" dirty="0"/>
+              <a:t>(“container”);</a:t>
+            </a:r>
           </a:p>
           <a:p>
             <a:pPr marL="457200" lvl="1" indent="457200">
               <a:buNone/>
             </a:pPr>
             <a:r>
-              <a:rPr lang="en-US" sz="2000"/>
-              <a:t>divElement.innerHTML = “You can’t contain me!”;</a:t>
-            </a:r>
-            <a:endParaRPr lang="en-US" sz="2000"/>
+              <a:rPr lang="en-US" sz="2000" dirty="0" err="1"/>
+              <a:t>divElement.innerHTML</a:t>
+            </a:r>
+            <a:r>
+              <a:rPr lang="en-US" sz="2000" dirty="0"/>
+              <a:t> = “You can’t contain me!”;</a:t>
+            </a:r>
           </a:p>
           <a:p>
             <a:pPr marL="457200" lvl="1" indent="0">
               <a:buNone/>
             </a:pPr>
             <a:r>
-              <a:rPr lang="en-US"/>
+              <a:rPr lang="en-US" dirty="0"/>
               <a:t>&lt;/script&gt;</a:t>
             </a:r>
-            <a:endParaRPr lang="en-US"/>
           </a:p>
         </p:txBody>
       </p:sp>
@@ -11658,7 +11862,6 @@
               <a:rPr lang="en-US"/>
               <a:t>Algorithm to write to the body of a document:</a:t>
             </a:r>
-            <a:endParaRPr lang="en-US"/>
           </a:p>
           <a:p>
             <a:pPr marL="914400" lvl="1" indent="-457200">
@@ -11668,7 +11871,6 @@
               <a:rPr lang="en-US"/>
               <a:t>Create an element with a specific id</a:t>
             </a:r>
-            <a:endParaRPr lang="en-US"/>
           </a:p>
           <a:p>
             <a:pPr marL="914400" lvl="1" indent="-457200">
@@ -11700,16 +11902,41 @@
             </a:pPr>
             <a:r>
               <a:rPr lang="en-US"/>
-              <a:t>Set the innerHTML property of </a:t>
-            </a:r>
-            <a:r>
-              <a:rPr lang="en-US"/>
-              <a:t>the element to the text to write to the page</a:t>
-            </a:r>
-            <a:endParaRPr lang="en-US"/>
-          </a:p>
-        </p:txBody>
-      </p:sp>
+              <a:t>Set the innerHTML property of the element to the text to write to the page</a:t>
+            </a:r>
+          </a:p>
+        </p:txBody>
+      </p:sp>
+      <p:pic>
+        <p:nvPicPr>
+          <p:cNvPr id="3" name="Picture 2">
+            <a:extLst>
+              <a:ext uri="{FF2B5EF4-FFF2-40B4-BE49-F238E27FC236}">
+                <a16:creationId xmlns:a16="http://schemas.microsoft.com/office/drawing/2014/main" id="{BC71B0C1-9E09-47CE-8AD2-3F4BADB7757A}"/>
+              </a:ext>
+            </a:extLst>
+          </p:cNvPr>
+          <p:cNvPicPr>
+            <a:picLocks noChangeAspect="1"/>
+          </p:cNvPicPr>
+          <p:nvPr/>
+        </p:nvPicPr>
+        <p:blipFill>
+          <a:blip r:embed="rId2"/>
+          <a:stretch>
+            <a:fillRect/>
+          </a:stretch>
+        </p:blipFill>
+        <p:spPr>
+          <a:xfrm>
+            <a:off x="2990215" y="4914900"/>
+            <a:ext cx="5267325" cy="1855016"/>
+          </a:xfrm>
+          <a:prstGeom prst="rect">
+            <a:avLst/>
+          </a:prstGeom>
+        </p:spPr>
+      </p:pic>
     </p:spTree>
   </p:cSld>
   <p:clrMapOvr>
@@ -11727,7 +11954,14 @@
         <p:cNvGrpSpPr/>
         <p:nvPr/>
       </p:nvGrpSpPr>
-      <p:grpSpPr/>
+      <p:grpSpPr>
+        <a:xfrm>
+          <a:off x="0" y="0"/>
+          <a:ext cx="0" cy="0"/>
+          <a:chOff x="0" y="0"/>
+          <a:chExt cx="0" cy="0"/>
+        </a:xfrm>
+      </p:grpSpPr>
       <p:sp>
         <p:nvSpPr>
           <p:cNvPr id="4" name="Title 3"/>
@@ -11741,12 +11975,12 @@
         <p:spPr/>
         <p:txBody>
           <a:bodyPr/>
+          <a:lstStyle/>
           <a:p>
             <a:r>
               <a:rPr lang="en-US"/>
               <a:t>“Hello, World” in JS</a:t>
             </a:r>
-            <a:endParaRPr lang="en-US"/>
           </a:p>
         </p:txBody>
       </p:sp>
@@ -11763,6 +11997,7 @@
         <p:spPr/>
         <p:txBody>
           <a:bodyPr/>
+          <a:lstStyle/>
           <a:p>
             <a:pPr marL="0" indent="0">
               <a:buNone/>
@@ -11775,7 +12010,6 @@
               <a:rPr lang="en-US"/>
               <a:t>.log(“Hello, world!”);</a:t>
             </a:r>
-            <a:endParaRPr lang="en-US"/>
           </a:p>
           <a:p>
             <a:pPr marL="0" indent="0">
@@ -11795,7 +12029,6 @@
               <a:rPr lang="en-US"/>
               <a:t>where the information will be displayed</a:t>
             </a:r>
-            <a:endParaRPr lang="en-US"/>
           </a:p>
         </p:txBody>
       </p:sp>
@@ -11816,7 +12049,14 @@
         <p:cNvGrpSpPr/>
         <p:nvPr/>
       </p:nvGrpSpPr>
-      <p:grpSpPr/>
+      <p:grpSpPr>
+        <a:xfrm>
+          <a:off x="0" y="0"/>
+          <a:ext cx="0" cy="0"/>
+          <a:chOff x="0" y="0"/>
+          <a:chExt cx="0" cy="0"/>
+        </a:xfrm>
+      </p:grpSpPr>
       <p:sp>
         <p:nvSpPr>
           <p:cNvPr id="4" name="Title 3"/>
@@ -11830,12 +12070,12 @@
         <p:spPr/>
         <p:txBody>
           <a:bodyPr/>
+          <a:lstStyle/>
           <a:p>
             <a:r>
               <a:rPr lang="en-US"/>
               <a:t>Writing to the Body (Document)</a:t>
             </a:r>
-            <a:endParaRPr lang="en-US"/>
           </a:p>
         </p:txBody>
       </p:sp>
@@ -11859,76 +12099,90 @@
           <a:bodyPr>
             <a:normAutofit/>
           </a:bodyPr>
-          <a:p>
-            <a:r>
-              <a:rPr lang="en-US"/>
+          <a:lstStyle/>
+          <a:p>
+            <a:r>
+              <a:rPr lang="en-US" dirty="0"/>
               <a:t>Exercises</a:t>
             </a:r>
-            <a:endParaRPr lang="en-US"/>
           </a:p>
           <a:p>
             <a:pPr lvl="1"/>
             <a:r>
-              <a:rPr lang="en-US"/>
+              <a:rPr lang="en-US" dirty="0"/>
               <a:t>Set the contents of a span with an id of “name” to “Scott Calvin”</a:t>
             </a:r>
-            <a:endParaRPr lang="en-US"/>
           </a:p>
           <a:p>
             <a:pPr marL="457200" lvl="1" indent="0">
               <a:buNone/>
             </a:pPr>
             <a:r>
-              <a:rPr lang="en-US"/>
+              <a:rPr lang="en-US" dirty="0"/>
               <a:t>&lt;span id=”name”&gt;&lt;/span&gt;</a:t>
             </a:r>
-            <a:endParaRPr lang="en-US"/>
           </a:p>
           <a:p>
             <a:pPr marL="457200" lvl="1" indent="0">
               <a:buNone/>
             </a:pPr>
-            <a:endParaRPr lang="en-US"/>
+            <a:endParaRPr lang="en-US" dirty="0"/>
           </a:p>
           <a:p>
             <a:pPr marL="457200" lvl="1" indent="0">
               <a:buNone/>
             </a:pPr>
             <a:r>
-              <a:rPr lang="en-US"/>
+              <a:rPr lang="en-US" dirty="0"/>
               <a:t>&lt;script&gt;</a:t>
             </a:r>
-            <a:endParaRPr lang="en-US"/>
           </a:p>
           <a:p>
             <a:pPr marL="457200" lvl="1" indent="457200">
               <a:buNone/>
             </a:pPr>
             <a:r>
-              <a:rPr lang="en-US" sz="2000"/>
-              <a:t>let spanElement = document.getElementById(“name”);</a:t>
-            </a:r>
-            <a:endParaRPr lang="en-US" sz="2000"/>
+              <a:rPr lang="en-US" sz="2000" dirty="0"/>
+              <a:t>let </a:t>
+            </a:r>
+            <a:r>
+              <a:rPr lang="en-US" sz="2000" dirty="0" err="1"/>
+              <a:t>spanElement</a:t>
+            </a:r>
+            <a:r>
+              <a:rPr lang="en-US" sz="2000" dirty="0"/>
+              <a:t> = </a:t>
+            </a:r>
+            <a:r>
+              <a:rPr lang="en-US" sz="2000" dirty="0" err="1"/>
+              <a:t>document.getElementById</a:t>
+            </a:r>
+            <a:r>
+              <a:rPr lang="en-US" sz="2000" dirty="0"/>
+              <a:t>(“name”);</a:t>
+            </a:r>
           </a:p>
           <a:p>
             <a:pPr marL="457200" lvl="1" indent="457200">
               <a:buNone/>
             </a:pPr>
             <a:r>
-              <a:rPr lang="en-US" sz="2000"/>
-              <a:t>spanElement.innerHTML = “Scott Calvin!”;</a:t>
-            </a:r>
-            <a:endParaRPr lang="en-US" sz="2000"/>
+              <a:rPr lang="en-US" sz="2000" dirty="0" err="1"/>
+              <a:t>spanElement.innerHTML</a:t>
+            </a:r>
+            <a:r>
+              <a:rPr lang="en-US" sz="2000" dirty="0"/>
+              <a:t> = “Scott Calvin!”;</a:t>
+            </a:r>
           </a:p>
           <a:p>
             <a:pPr marL="457200" lvl="1" indent="0">
               <a:buNone/>
             </a:pPr>
             <a:r>
-              <a:rPr lang="en-US"/>
+              <a:rPr lang="en-US" dirty="0"/>
               <a:t>&lt;/script&gt;</a:t>
             </a:r>
-            <a:endParaRPr lang="en-US"/>
           </a:p>
         </p:txBody>
       </p:sp>
@@ -12122,7 +12376,6 @@
               <a:rPr lang="en-US"/>
               <a:t>Algorithm to write to the body of a document:</a:t>
             </a:r>
-            <a:endParaRPr lang="en-US"/>
           </a:p>
           <a:p>
             <a:pPr marL="914400" lvl="1" indent="-457200">
@@ -12132,7 +12385,6 @@
               <a:rPr lang="en-US"/>
               <a:t>Create an element with a specific id</a:t>
             </a:r>
-            <a:endParaRPr lang="en-US"/>
           </a:p>
           <a:p>
             <a:pPr marL="914400" lvl="1" indent="-457200">
@@ -12164,16 +12416,41 @@
             </a:pPr>
             <a:r>
               <a:rPr lang="en-US"/>
-              <a:t>Set the innerHTML property of </a:t>
-            </a:r>
-            <a:r>
-              <a:rPr lang="en-US"/>
-              <a:t>the element to the text to write to the page</a:t>
-            </a:r>
-            <a:endParaRPr lang="en-US"/>
-          </a:p>
-        </p:txBody>
-      </p:sp>
+              <a:t>Set the innerHTML property of the element to the text to write to the page</a:t>
+            </a:r>
+          </a:p>
+        </p:txBody>
+      </p:sp>
+      <p:pic>
+        <p:nvPicPr>
+          <p:cNvPr id="3" name="Picture 2">
+            <a:extLst>
+              <a:ext uri="{FF2B5EF4-FFF2-40B4-BE49-F238E27FC236}">
+                <a16:creationId xmlns:a16="http://schemas.microsoft.com/office/drawing/2014/main" id="{9E0C4CDB-7DA1-4D2A-B50D-135B113E8D6A}"/>
+              </a:ext>
+            </a:extLst>
+          </p:cNvPr>
+          <p:cNvPicPr>
+            <a:picLocks noChangeAspect="1"/>
+          </p:cNvPicPr>
+          <p:nvPr/>
+        </p:nvPicPr>
+        <p:blipFill>
+          <a:blip r:embed="rId2"/>
+          <a:stretch>
+            <a:fillRect/>
+          </a:stretch>
+        </p:blipFill>
+        <p:spPr>
+          <a:xfrm>
+            <a:off x="2726597" y="4812484"/>
+            <a:ext cx="5295900" cy="1981200"/>
+          </a:xfrm>
+          <a:prstGeom prst="rect">
+            <a:avLst/>
+          </a:prstGeom>
+        </p:spPr>
+      </p:pic>
     </p:spTree>
   </p:cSld>
   <p:clrMapOvr>
@@ -12191,7 +12468,14 @@
         <p:cNvGrpSpPr/>
         <p:nvPr/>
       </p:nvGrpSpPr>
-      <p:grpSpPr/>
+      <p:grpSpPr>
+        <a:xfrm>
+          <a:off x="0" y="0"/>
+          <a:ext cx="0" cy="0"/>
+          <a:chOff x="0" y="0"/>
+          <a:chExt cx="0" cy="0"/>
+        </a:xfrm>
+      </p:grpSpPr>
       <p:sp>
         <p:nvSpPr>
           <p:cNvPr id="4" name="Title 3"/>
@@ -12205,12 +12489,12 @@
         <p:spPr/>
         <p:txBody>
           <a:bodyPr/>
+          <a:lstStyle/>
           <a:p>
             <a:r>
               <a:rPr lang="en-US"/>
               <a:t>Writing to the Body (Document)</a:t>
             </a:r>
-            <a:endParaRPr lang="en-US"/>
           </a:p>
         </p:txBody>
       </p:sp>
@@ -12226,94 +12510,119 @@
         </p:nvSpPr>
         <p:spPr>
           <a:xfrm>
-            <a:off x="838200" y="1825625"/>
-            <a:ext cx="7419340" cy="4351655"/>
+            <a:off x="92280" y="1825625"/>
+            <a:ext cx="6719582" cy="5032375"/>
           </a:xfrm>
         </p:spPr>
         <p:txBody>
           <a:bodyPr>
             <a:normAutofit/>
           </a:bodyPr>
-          <a:p>
-            <a:r>
-              <a:rPr lang="en-US"/>
+          <a:lstStyle/>
+          <a:p>
+            <a:r>
+              <a:rPr lang="en-US" dirty="0"/>
               <a:t>Exercises</a:t>
             </a:r>
-            <a:endParaRPr lang="en-US"/>
           </a:p>
           <a:p>
             <a:pPr lvl="1"/>
             <a:r>
-              <a:rPr lang="en-US"/>
+              <a:rPr lang="en-US" dirty="0"/>
               <a:t>Set the contents of a paragraph with an id of “part1” to “Wait until the second half...” Then, print “...when the curtain falls!” to the console</a:t>
             </a:r>
-            <a:endParaRPr lang="en-US"/>
           </a:p>
           <a:p>
             <a:pPr marL="457200" lvl="1" indent="0">
               <a:buNone/>
             </a:pPr>
-            <a:r>
-              <a:rPr lang="en-US"/>
+            <a:endParaRPr lang="en-US" dirty="0"/>
+          </a:p>
+          <a:p>
+            <a:pPr marL="457200" lvl="1" indent="0">
+              <a:buNone/>
+            </a:pPr>
+            <a:endParaRPr lang="en-US" dirty="0"/>
+          </a:p>
+          <a:p>
+            <a:pPr marL="457200" lvl="1" indent="0">
+              <a:buNone/>
+            </a:pPr>
+            <a:endParaRPr lang="en-US" dirty="0"/>
+          </a:p>
+          <a:p>
+            <a:pPr marL="457200" lvl="1" indent="0">
+              <a:buNone/>
+            </a:pPr>
+            <a:r>
+              <a:rPr lang="en-US" dirty="0"/>
               <a:t>&lt;p id=”part1”&gt;&lt;/p&gt;</a:t>
             </a:r>
-            <a:endParaRPr lang="en-US"/>
           </a:p>
           <a:p>
             <a:pPr marL="457200" lvl="1" indent="0">
               <a:buNone/>
             </a:pPr>
-            <a:endParaRPr lang="en-US"/>
+            <a:r>
+              <a:rPr lang="en-US" dirty="0"/>
+              <a:t>&lt;script&gt;</a:t>
+            </a:r>
+          </a:p>
+          <a:p>
+            <a:pPr marL="457200" lvl="1" indent="457200">
+              <a:buNone/>
+            </a:pPr>
+            <a:r>
+              <a:rPr lang="en-US" sz="2000" dirty="0"/>
+              <a:t>let </a:t>
+            </a:r>
+            <a:r>
+              <a:rPr lang="en-US" sz="2000" dirty="0" err="1"/>
+              <a:t>pElement</a:t>
+            </a:r>
+            <a:r>
+              <a:rPr lang="en-US" sz="2000" dirty="0"/>
+              <a:t>= </a:t>
+            </a:r>
+            <a:r>
+              <a:rPr lang="en-US" sz="2000" dirty="0" err="1"/>
+              <a:t>document.getElementById</a:t>
+            </a:r>
+            <a:r>
+              <a:rPr lang="en-US" sz="2000" dirty="0"/>
+              <a:t>(“part1”);</a:t>
+            </a:r>
+          </a:p>
+          <a:p>
+            <a:pPr marL="457200" lvl="1" indent="457200">
+              <a:buNone/>
+            </a:pPr>
+            <a:r>
+              <a:rPr lang="en-US" sz="2000" dirty="0" err="1"/>
+              <a:t>pElement.innerHTML</a:t>
+            </a:r>
+            <a:r>
+              <a:rPr lang="en-US" sz="2000" dirty="0"/>
+              <a:t> = “Wait until the second half...”;</a:t>
+            </a:r>
+          </a:p>
+          <a:p>
+            <a:pPr marL="457200" lvl="1" indent="457200">
+              <a:buNone/>
+            </a:pPr>
+            <a:r>
+              <a:rPr lang="en-US" sz="2000" dirty="0"/>
+              <a:t>console.log(“...when the curtain falls!”);</a:t>
+            </a:r>
           </a:p>
           <a:p>
             <a:pPr marL="457200" lvl="1" indent="0">
               <a:buNone/>
             </a:pPr>
             <a:r>
-              <a:rPr lang="en-US"/>
-              <a:t>&lt;script&gt;</a:t>
-            </a:r>
-            <a:endParaRPr lang="en-US"/>
-          </a:p>
-          <a:p>
-            <a:pPr marL="457200" lvl="1" indent="457200">
-              <a:buNone/>
-            </a:pPr>
-            <a:r>
-              <a:rPr lang="en-US" sz="2000"/>
-              <a:t>let pElement= document.getElementById(“part1”);</a:t>
-            </a:r>
-            <a:endParaRPr lang="en-US" sz="2000"/>
-          </a:p>
-          <a:p>
-            <a:pPr marL="457200" lvl="1" indent="457200">
-              <a:buNone/>
-            </a:pPr>
-            <a:r>
-              <a:rPr lang="en-US" sz="2000"/>
-              <a:t>pElement.innerHTML = “Wait until the second half...”;</a:t>
-            </a:r>
-            <a:endParaRPr lang="en-US" sz="2000"/>
-          </a:p>
-          <a:p>
-            <a:pPr marL="457200" lvl="1" indent="457200">
-              <a:buNone/>
-            </a:pPr>
-            <a:r>
-              <a:rPr lang="en-US" sz="2000"/>
-              <a:t>console.log(“...when the curtain falls!”);</a:t>
-            </a:r>
-            <a:endParaRPr lang="en-US" sz="2000"/>
-          </a:p>
-          <a:p>
-            <a:pPr marL="457200" lvl="1" indent="0">
-              <a:buNone/>
-            </a:pPr>
-            <a:r>
-              <a:rPr lang="en-US"/>
+              <a:rPr lang="en-US" dirty="0"/>
               <a:t>&lt;/script&gt;</a:t>
             </a:r>
-            <a:endParaRPr lang="en-US"/>
           </a:p>
         </p:txBody>
       </p:sp>
@@ -12507,7 +12816,6 @@
               <a:rPr lang="en-US"/>
               <a:t>Algorithm to write to the body of a document:</a:t>
             </a:r>
-            <a:endParaRPr lang="en-US"/>
           </a:p>
           <a:p>
             <a:pPr marL="914400" lvl="1" indent="-457200">
@@ -12517,7 +12825,6 @@
               <a:rPr lang="en-US"/>
               <a:t>Create an element with a specific id</a:t>
             </a:r>
-            <a:endParaRPr lang="en-US"/>
           </a:p>
           <a:p>
             <a:pPr marL="914400" lvl="1" indent="-457200">
@@ -12549,16 +12856,41 @@
             </a:pPr>
             <a:r>
               <a:rPr lang="en-US"/>
-              <a:t>Set the innerHTML property of </a:t>
-            </a:r>
-            <a:r>
-              <a:rPr lang="en-US"/>
-              <a:t>the element to the text to write to the page</a:t>
-            </a:r>
-            <a:endParaRPr lang="en-US"/>
-          </a:p>
-        </p:txBody>
-      </p:sp>
+              <a:t>Set the innerHTML property of the element to the text to write to the page</a:t>
+            </a:r>
+          </a:p>
+        </p:txBody>
+      </p:sp>
+      <p:pic>
+        <p:nvPicPr>
+          <p:cNvPr id="3" name="Picture 2">
+            <a:extLst>
+              <a:ext uri="{FF2B5EF4-FFF2-40B4-BE49-F238E27FC236}">
+                <a16:creationId xmlns:a16="http://schemas.microsoft.com/office/drawing/2014/main" id="{14C3599D-E546-486D-B242-2C8717E5D9CB}"/>
+              </a:ext>
+            </a:extLst>
+          </p:cNvPr>
+          <p:cNvPicPr>
+            <a:picLocks noChangeAspect="1"/>
+          </p:cNvPicPr>
+          <p:nvPr/>
+        </p:nvPicPr>
+        <p:blipFill>
+          <a:blip r:embed="rId2"/>
+          <a:stretch>
+            <a:fillRect/>
+          </a:stretch>
+        </p:blipFill>
+        <p:spPr>
+          <a:xfrm>
+            <a:off x="3156926" y="3296874"/>
+            <a:ext cx="4707753" cy="1953844"/>
+          </a:xfrm>
+          <a:prstGeom prst="rect">
+            <a:avLst/>
+          </a:prstGeom>
+        </p:spPr>
+      </p:pic>
     </p:spTree>
   </p:cSld>
   <p:clrMapOvr>
@@ -12576,7 +12908,14 @@
         <p:cNvGrpSpPr/>
         <p:nvPr/>
       </p:nvGrpSpPr>
-      <p:grpSpPr/>
+      <p:grpSpPr>
+        <a:xfrm>
+          <a:off x="0" y="0"/>
+          <a:ext cx="0" cy="0"/>
+          <a:chOff x="0" y="0"/>
+          <a:chExt cx="0" cy="0"/>
+        </a:xfrm>
+      </p:grpSpPr>
       <p:sp>
         <p:nvSpPr>
           <p:cNvPr id="4" name="Title 3"/>
@@ -12590,12 +12929,12 @@
         <p:spPr/>
         <p:txBody>
           <a:bodyPr/>
+          <a:lstStyle/>
           <a:p>
             <a:r>
               <a:rPr lang="en-US"/>
               <a:t>“Hello, World” in JS</a:t>
             </a:r>
-            <a:endParaRPr lang="en-US"/>
           </a:p>
         </p:txBody>
       </p:sp>
@@ -12612,79 +12951,77 @@
         <p:spPr/>
         <p:txBody>
           <a:bodyPr/>
+          <a:lstStyle/>
           <a:p>
             <a:pPr marL="0" indent="0">
               <a:buNone/>
             </a:pPr>
             <a:r>
-              <a:rPr lang="en-US"/>
-              <a:t>console.</a:t>
-            </a:r>
-            <a:r>
-              <a:rPr lang="en-US" b="1"/>
-              <a:t>log(</a:t>
-            </a:r>
-            <a:r>
-              <a:rPr lang="en-US"/>
+              <a:rPr lang="en-US" dirty="0"/>
+              <a:t>console</a:t>
+            </a:r>
+            <a:r>
+              <a:rPr lang="en-US" b="1" dirty="0"/>
+              <a:t>.log(</a:t>
+            </a:r>
+            <a:r>
+              <a:rPr lang="en-US" dirty="0"/>
               <a:t>“Hello, world!”</a:t>
             </a:r>
             <a:r>
-              <a:rPr lang="en-US" b="1"/>
+              <a:rPr lang="en-US" b="1" dirty="0"/>
               <a:t>)</a:t>
             </a:r>
             <a:r>
-              <a:rPr lang="en-US"/>
+              <a:rPr lang="en-US" dirty="0"/>
               <a:t>;</a:t>
             </a:r>
-            <a:endParaRPr lang="en-US"/>
           </a:p>
           <a:p>
             <a:pPr marL="0" indent="0">
               <a:buNone/>
             </a:pPr>
-            <a:endParaRPr lang="en-US"/>
+            <a:endParaRPr lang="en-US" dirty="0"/>
           </a:p>
           <a:p>
             <a:pPr marL="0" indent="0">
               <a:buNone/>
             </a:pPr>
             <a:r>
-              <a:rPr lang="en-US"/>
+              <a:rPr lang="en-US" dirty="0"/>
               <a:t>console</a:t>
             </a:r>
             <a:r>
-              <a:rPr lang="en-US" b="1"/>
+              <a:rPr lang="en-US" b="1" dirty="0"/>
               <a:t>: </a:t>
             </a:r>
             <a:r>
-              <a:rPr lang="en-US"/>
+              <a:rPr lang="en-US" dirty="0"/>
               <a:t>where the information will be displayed</a:t>
             </a:r>
-            <a:endParaRPr lang="en-US"/>
           </a:p>
           <a:p>
             <a:pPr marL="0" indent="0">
               <a:buNone/>
             </a:pPr>
             <a:r>
-              <a:rPr lang="en-US" b="1"/>
+              <a:rPr lang="en-US" b="1" dirty="0"/>
               <a:t>log</a:t>
             </a:r>
             <a:r>
-              <a:rPr lang="en-US" b="1">
+              <a:rPr lang="en-US" b="1" dirty="0">
                 <a:sym typeface="+mn-ea"/>
               </a:rPr>
               <a:t>(...)</a:t>
             </a:r>
             <a:r>
-              <a:rPr lang="en-US" b="1"/>
+              <a:rPr lang="en-US" b="1" dirty="0"/>
               <a:t>: </a:t>
             </a:r>
             <a:r>
-              <a:rPr lang="en-US"/>
+              <a:rPr lang="en-US" dirty="0"/>
               <a:t>means ‘write this information’ </a:t>
             </a:r>
-            <a:endParaRPr lang="en-US"/>
           </a:p>
         </p:txBody>
       </p:sp>
@@ -12705,7 +13042,14 @@
         <p:cNvGrpSpPr/>
         <p:nvPr/>
       </p:nvGrpSpPr>
-      <p:grpSpPr/>
+      <p:grpSpPr>
+        <a:xfrm>
+          <a:off x="0" y="0"/>
+          <a:ext cx="0" cy="0"/>
+          <a:chOff x="0" y="0"/>
+          <a:chExt cx="0" cy="0"/>
+        </a:xfrm>
+      </p:grpSpPr>
       <p:sp>
         <p:nvSpPr>
           <p:cNvPr id="4" name="Title 3"/>
@@ -12719,12 +13063,12 @@
         <p:spPr/>
         <p:txBody>
           <a:bodyPr/>
+          <a:lstStyle/>
           <a:p>
             <a:r>
               <a:rPr lang="en-US"/>
               <a:t>“Hello, World” in JS</a:t>
             </a:r>
-            <a:endParaRPr lang="en-US"/>
           </a:p>
         </p:txBody>
       </p:sp>
@@ -12741,6 +13085,7 @@
         <p:spPr/>
         <p:txBody>
           <a:bodyPr/>
+          <a:lstStyle/>
           <a:p>
             <a:pPr marL="0" indent="0">
               <a:buNone/>
@@ -12757,7 +13102,6 @@
               <a:rPr lang="en-US"/>
               <a:t>);</a:t>
             </a:r>
-            <a:endParaRPr lang="en-US"/>
           </a:p>
           <a:p>
             <a:pPr marL="0" indent="0">
@@ -12781,7 +13125,6 @@
               <a:rPr lang="en-US"/>
               <a:t>where the information will be displayed</a:t>
             </a:r>
-            <a:endParaRPr lang="en-US"/>
           </a:p>
           <a:p>
             <a:pPr marL="0" indent="0">
@@ -12799,7 +13142,6 @@
               <a:rPr lang="en-US"/>
               <a:t>means ‘write this information’ </a:t>
             </a:r>
-            <a:endParaRPr lang="en-US"/>
           </a:p>
           <a:p>
             <a:pPr marL="0" indent="0">
@@ -12813,7 +13155,6 @@
               <a:rPr lang="en-US"/>
               <a:t>: the specific information to write </a:t>
             </a:r>
-            <a:endParaRPr lang="en-US"/>
           </a:p>
         </p:txBody>
       </p:sp>
@@ -12834,7 +13175,14 @@
         <p:cNvGrpSpPr/>
         <p:nvPr/>
       </p:nvGrpSpPr>
-      <p:grpSpPr/>
+      <p:grpSpPr>
+        <a:xfrm>
+          <a:off x="0" y="0"/>
+          <a:ext cx="0" cy="0"/>
+          <a:chOff x="0" y="0"/>
+          <a:chExt cx="0" cy="0"/>
+        </a:xfrm>
+      </p:grpSpPr>
       <p:sp>
         <p:nvSpPr>
           <p:cNvPr id="4" name="Title 3"/>
@@ -12848,12 +13196,12 @@
         <p:spPr/>
         <p:txBody>
           <a:bodyPr/>
+          <a:lstStyle/>
           <a:p>
             <a:r>
               <a:rPr lang="en-US"/>
               <a:t>“Hello, World” in JS</a:t>
             </a:r>
-            <a:endParaRPr lang="en-US"/>
           </a:p>
         </p:txBody>
       </p:sp>
@@ -12870,6 +13218,7 @@
         <p:spPr/>
         <p:txBody>
           <a:bodyPr/>
+          <a:lstStyle/>
           <a:p>
             <a:pPr marL="0" indent="0">
               <a:buNone/>
@@ -12906,7 +13255,6 @@
               <a:rPr lang="en-US"/>
               <a:t>where the information will be displayed</a:t>
             </a:r>
-            <a:endParaRPr lang="en-US"/>
           </a:p>
           <a:p>
             <a:pPr marL="0" indent="0">
@@ -12924,7 +13272,6 @@
               <a:rPr lang="en-US"/>
               <a:t>means ‘write this information’ </a:t>
             </a:r>
-            <a:endParaRPr lang="en-US"/>
           </a:p>
           <a:p>
             <a:pPr marL="0" indent="0">
@@ -12934,7 +13281,6 @@
               <a:rPr lang="en-US"/>
               <a:t>“Hello, world!”: the specific information to write </a:t>
             </a:r>
-            <a:endParaRPr lang="en-US"/>
           </a:p>
           <a:p>
             <a:pPr marL="0" indent="0">
@@ -12948,7 +13294,6 @@
               <a:rPr lang="en-US"/>
               <a:t>: marks the end of this line of code</a:t>
             </a:r>
-            <a:endParaRPr lang="en-US"/>
           </a:p>
         </p:txBody>
       </p:sp>
@@ -12969,7 +13314,14 @@
         <p:cNvGrpSpPr/>
         <p:nvPr/>
       </p:nvGrpSpPr>
-      <p:grpSpPr/>
+      <p:grpSpPr>
+        <a:xfrm>
+          <a:off x="0" y="0"/>
+          <a:ext cx="0" cy="0"/>
+          <a:chOff x="0" y="0"/>
+          <a:chExt cx="0" cy="0"/>
+        </a:xfrm>
+      </p:grpSpPr>
       <p:sp>
         <p:nvSpPr>
           <p:cNvPr id="4" name="Title 3"/>
@@ -12983,12 +13335,12 @@
         <p:spPr/>
         <p:txBody>
           <a:bodyPr/>
+          <a:lstStyle/>
           <a:p>
             <a:r>
               <a:rPr lang="en-US"/>
               <a:t>Running JS in a Web Browser</a:t>
             </a:r>
-            <a:endParaRPr lang="en-US"/>
           </a:p>
         </p:txBody>
       </p:sp>
@@ -13005,12 +13357,12 @@
         <p:spPr/>
         <p:txBody>
           <a:bodyPr/>
+          <a:lstStyle/>
           <a:p>
             <a:r>
               <a:rPr lang="en-US"/>
               <a:t>In order to run JS in a browser, it must be included in an HTML file.</a:t>
             </a:r>
-            <a:endParaRPr lang="en-US"/>
           </a:p>
           <a:p>
             <a:pPr lvl="1"/>
@@ -13028,7 +13380,6 @@
               <a:rPr lang="en-US"/>
               <a:t>, external, or internal</a:t>
             </a:r>
-            <a:endParaRPr lang="en-US"/>
           </a:p>
         </p:txBody>
       </p:sp>
@@ -13049,7 +13400,14 @@
         <p:cNvGrpSpPr/>
         <p:nvPr/>
       </p:nvGrpSpPr>
-      <p:grpSpPr/>
+      <p:grpSpPr>
+        <a:xfrm>
+          <a:off x="0" y="0"/>
+          <a:ext cx="0" cy="0"/>
+          <a:chOff x="0" y="0"/>
+          <a:chExt cx="0" cy="0"/>
+        </a:xfrm>
+      </p:grpSpPr>
       <p:sp>
         <p:nvSpPr>
           <p:cNvPr id="4" name="Title 3"/>
@@ -13063,12 +13421,12 @@
         <p:spPr/>
         <p:txBody>
           <a:bodyPr/>
+          <a:lstStyle/>
           <a:p>
             <a:r>
               <a:rPr lang="en-US"/>
               <a:t>Running JS in a Web Browser</a:t>
             </a:r>
-            <a:endParaRPr lang="en-US"/>
           </a:p>
         </p:txBody>
       </p:sp>
@@ -13085,12 +13443,12 @@
         <p:spPr/>
         <p:txBody>
           <a:bodyPr/>
+          <a:lstStyle/>
           <a:p>
             <a:r>
               <a:rPr lang="en-US"/>
               <a:t>In order to run JS in a browser, it must be included in an HTML file.</a:t>
             </a:r>
-            <a:endParaRPr lang="en-US"/>
           </a:p>
           <a:p>
             <a:pPr lvl="1"/>
@@ -13108,7 +13466,6 @@
               <a:rPr lang="en-US"/>
               <a:t>, external, or internal</a:t>
             </a:r>
-            <a:endParaRPr lang="en-US"/>
           </a:p>
           <a:p>
             <a:pPr lvl="1"/>
@@ -13120,7 +13477,6 @@
               <a:rPr lang="en-US"/>
               <a:t>External Solution (in a separate .JS file):</a:t>
             </a:r>
-            <a:endParaRPr lang="en-US"/>
           </a:p>
           <a:p>
             <a:pPr marL="457200" lvl="1" indent="0">
@@ -13130,7 +13486,6 @@
               <a:rPr lang="en-US"/>
               <a:t>console.log(“Hello, World!”);</a:t>
             </a:r>
-            <a:endParaRPr lang="en-US"/>
           </a:p>
         </p:txBody>
       </p:sp>
@@ -13393,6 +13748,8 @@
       </a:bgFillStyleLst>
     </a:fmtScheme>
   </a:themeElements>
+  <a:objectDefaults/>
+  <a:extraClrSchemeLst/>
   <a:extLst>
     <a:ext uri="{05A4C25C-085E-4340-85A3-A5531E510DB2}">
       <thm15:themeFamily xmlns:thm15="http://schemas.microsoft.com/office/thememl/2012/main" name="Office Theme" id="{62F939B6-93AF-4DB8-9C6B-D6C7DFDC589F}" vid="{4A3C46E8-61CC-4603-A589-7422A47A8E4A}"/>
